--- a/Lection_5_Test_artifacts.pptx
+++ b/Lection_5_Test_artifacts.pptx
@@ -1,33 +1,33 @@
 
 <file path=ppt/presentation.xml><?xml version="1.0" encoding="utf-8"?>
-<p:presentation xmlns:a="http://schemas.openxmlformats.org/drawingml/2006/main" xmlns:r="http://schemas.openxmlformats.org/officeDocument/2006/relationships" xmlns:p="http://schemas.openxmlformats.org/presentationml/2006/main" saveSubsetFonts="1">
+<p:presentation xmlns:a="http://schemas.openxmlformats.org/drawingml/2006/main" xmlns:r="http://schemas.openxmlformats.org/officeDocument/2006/relationships" xmlns:p="http://schemas.openxmlformats.org/presentationml/2006/main">
   <p:sldMasterIdLst>
-    <p:sldMasterId id="2147483746" r:id="rId1"/>
+    <p:sldMasterId id="2147483648" r:id="rId1"/>
   </p:sldMasterIdLst>
   <p:notesMasterIdLst>
-    <p:notesMasterId r:id="rId13"/>
+    <p:notesMasterId r:id="rId14"/>
   </p:notesMasterIdLst>
   <p:handoutMasterIdLst>
-    <p:handoutMasterId r:id="rId14"/>
+    <p:handoutMasterId r:id="rId15"/>
   </p:handoutMasterIdLst>
   <p:sldIdLst>
-    <p:sldId id="257" r:id="rId2"/>
-    <p:sldId id="260" r:id="rId3"/>
-    <p:sldId id="262" r:id="rId4"/>
-    <p:sldId id="263" r:id="rId5"/>
-    <p:sldId id="264" r:id="rId6"/>
-    <p:sldId id="265" r:id="rId7"/>
-    <p:sldId id="266" r:id="rId8"/>
-    <p:sldId id="267" r:id="rId9"/>
-    <p:sldId id="268" r:id="rId10"/>
-    <p:sldId id="269" r:id="rId11"/>
-    <p:sldId id="270" r:id="rId12"/>
+    <p:sldId id="257" r:id="rId3"/>
+    <p:sldId id="260" r:id="rId4"/>
+    <p:sldId id="262" r:id="rId5"/>
+    <p:sldId id="263" r:id="rId6"/>
+    <p:sldId id="264" r:id="rId7"/>
+    <p:sldId id="265" r:id="rId8"/>
+    <p:sldId id="266" r:id="rId9"/>
+    <p:sldId id="267" r:id="rId10"/>
+    <p:sldId id="268" r:id="rId11"/>
+    <p:sldId id="269" r:id="rId12"/>
+    <p:sldId id="270" r:id="rId13"/>
   </p:sldIdLst>
   <p:sldSz cx="12192000" cy="6858000"/>
   <p:notesSz cx="6858000" cy="9144000"/>
   <p:defaultTextStyle>
     <a:defPPr rtl="0">
-      <a:defRPr lang="ru-ru"/>
+      <a:defRPr lang="en-US"/>
     </a:defPPr>
     <a:lvl1pPr marL="0" algn="l" defTabSz="914400" rtl="0" eaLnBrk="1" latinLnBrk="0" hangingPunct="1">
       <a:defRPr sz="1800" kern="1200">
@@ -120,14 +120,6 @@
       </a:defRPr>
     </a:lvl9pPr>
   </p:defaultTextStyle>
-  <p:extLst>
-    <p:ext uri="{EFAFB233-063F-42B5-8137-9DF3F51BA10A}">
-      <p15:sldGuideLst xmlns:p15="http://schemas.microsoft.com/office/powerpoint/2012/main"/>
-    </p:ext>
-    <p:ext uri="{2D200454-40CA-4A62-9FC3-DE9A4176ACB9}">
-      <p15:notesGuideLst xmlns:p15="http://schemas.microsoft.com/office/powerpoint/2012/main"/>
-    </p:ext>
-  </p:extLst>
 </p:presentation>
 </file>
 
@@ -215,7 +207,6 @@
             <a:pPr rtl="0"/>
             <a:fld id="{1E51D080-0FA4-452C-BE9C-57B885F95115}" type="datetime1">
               <a:rPr lang="ru-RU" smtClean="0"/>
-              <a:t>26.04.2022</a:t>
             </a:fld>
             <a:endParaRPr lang="en-US" dirty="0"/>
           </a:p>
@@ -283,18 +274,12 @@
             <a:pPr rtl="0"/>
             <a:fld id="{ED92CB86-0DB9-4A70-B1CF-B23508471F6B}" type="slidenum">
               <a:rPr lang="en-US" smtClean="0"/>
-              <a:t>‹#›</a:t>
             </a:fld>
             <a:endParaRPr lang="en-US"/>
           </a:p>
         </p:txBody>
       </p:sp>
     </p:spTree>
-    <p:extLst>
-      <p:ext uri="{BB962C8B-B14F-4D97-AF65-F5344CB8AC3E}">
-        <p14:creationId xmlns:p14="http://schemas.microsoft.com/office/powerpoint/2010/main" val="663557642"/>
-      </p:ext>
-    </p:extLst>
   </p:cSld>
   <p:clrMap bg1="lt1" tx1="dk1" bg2="lt2" tx2="dk2" accent1="accent1" accent2="accent2" accent3="accent3" accent4="accent4" accent5="accent5" accent6="accent6" hlink="hlink" folHlink="folHlink"/>
   <p:hf hdr="0" ftr="0"/>
@@ -385,7 +370,6 @@
             <a:pPr rtl="0"/>
             <a:fld id="{A68A2903-BD5A-4833-B0CA-AB5B8165171B}" type="datetime1">
               <a:rPr lang="ru-RU" smtClean="0"/>
-              <a:t>26.04.2022</a:t>
             </a:fld>
             <a:endParaRPr lang="en-US"/>
           </a:p>
@@ -450,7 +434,7 @@
           <a:p>
             <a:pPr lvl="0" rtl="0"/>
             <a:r>
-              <a:rPr lang="ru"/>
+              <a:rPr lang="en-US"/>
               <a:t>Щелкните, чтобы изменить стили текста образца слайда</a:t>
             </a:r>
             <a:endParaRPr lang="en-US"/>
@@ -458,28 +442,31 @@
           <a:p>
             <a:pPr lvl="1" rtl="0"/>
             <a:r>
-              <a:rPr lang="ru"/>
+              <a:rPr lang="en-US"/>
               <a:t>Второй уровень</a:t>
             </a:r>
+            <a:endParaRPr lang="en-US"/>
           </a:p>
           <a:p>
             <a:pPr lvl="2" rtl="0"/>
             <a:r>
-              <a:rPr lang="ru"/>
+              <a:rPr lang="en-US"/>
               <a:t>Третий уровень</a:t>
             </a:r>
+            <a:endParaRPr lang="en-US"/>
           </a:p>
           <a:p>
             <a:pPr lvl="3" rtl="0"/>
             <a:r>
-              <a:rPr lang="ru"/>
+              <a:rPr lang="en-US"/>
               <a:t>Четвертый уровень</a:t>
             </a:r>
+            <a:endParaRPr lang="en-US"/>
           </a:p>
           <a:p>
             <a:pPr lvl="4" rtl="0"/>
             <a:r>
-              <a:rPr lang="ru"/>
+              <a:rPr lang="en-US"/>
               <a:t>Пятый уровень</a:t>
             </a:r>
             <a:endParaRPr lang="en-US"/>
@@ -548,18 +535,12 @@
             <a:pPr rtl="0"/>
             <a:fld id="{9C2B151B-D7D1-48E5-8230-5AADBC794F88}" type="slidenum">
               <a:rPr lang="en-US" smtClean="0"/>
-              <a:t>‹#›</a:t>
             </a:fld>
             <a:endParaRPr lang="en-US"/>
           </a:p>
         </p:txBody>
       </p:sp>
     </p:spTree>
-    <p:extLst>
-      <p:ext uri="{BB962C8B-B14F-4D97-AF65-F5344CB8AC3E}">
-        <p14:creationId xmlns:p14="http://schemas.microsoft.com/office/powerpoint/2010/main" val="313859278"/>
-      </p:ext>
-    </p:extLst>
   </p:cSld>
   <p:clrMap bg1="lt1" tx1="dk1" bg2="lt2" tx2="dk2" accent1="accent1" accent2="accent2" accent3="accent3" accent4="accent4" accent5="accent5" accent6="accent6" hlink="hlink" folHlink="folHlink"/>
   <p:hf hdr="0" ftr="0"/>
@@ -659,7 +640,7 @@
 </file>
 
 <file path=ppt/slideLayouts/slideLayout1.xml><?xml version="1.0" encoding="utf-8"?>
-<p:sldLayout xmlns:a="http://schemas.openxmlformats.org/drawingml/2006/main" xmlns:r="http://schemas.openxmlformats.org/officeDocument/2006/relationships" xmlns:p="http://schemas.openxmlformats.org/presentationml/2006/main" showMasterSp="0" type="title" preserve="1">
+<p:sldLayout xmlns:a="http://schemas.openxmlformats.org/drawingml/2006/main" xmlns:r="http://schemas.openxmlformats.org/officeDocument/2006/relationships" xmlns:p="http://schemas.openxmlformats.org/presentationml/2006/main" type="title" preserve="1" showMasterSp="0">
   <p:cSld name="Титульный слайд">
     <p:spTree>
       <p:nvGrpSpPr>
@@ -677,13 +658,7 @@
       </p:grpSpPr>
       <p:sp>
         <p:nvSpPr>
-          <p:cNvPr id="10" name="Прямоугольник 9">
-            <a:extLst>
-              <a:ext uri="{FF2B5EF4-FFF2-40B4-BE49-F238E27FC236}">
-                <a16:creationId xmlns:a16="http://schemas.microsoft.com/office/drawing/2014/main" id="{39E3965E-AC41-4711-9D10-E25ABB132D86}"/>
-              </a:ext>
-            </a:extLst>
-          </p:cNvPr>
+          <p:cNvPr id="10" name="Прямоугольник 9"/>
           <p:cNvSpPr/>
           <p:nvPr/>
         </p:nvSpPr>
@@ -840,13 +815,7 @@
       </p:sp>
       <p:cxnSp>
         <p:nvCxnSpPr>
-          <p:cNvPr id="9" name="Прямая соединительная линия 8">
-            <a:extLst>
-              <a:ext uri="{FF2B5EF4-FFF2-40B4-BE49-F238E27FC236}">
-                <a16:creationId xmlns:a16="http://schemas.microsoft.com/office/drawing/2014/main" id="{1F5DC8C3-BA5F-4EED-BB9A-A14272BD82A1}"/>
-              </a:ext>
-            </a:extLst>
-          </p:cNvPr>
+          <p:cNvPr id="9" name="Прямая соединительная линия 8"/>
           <p:cNvCxnSpPr/>
           <p:nvPr/>
         </p:nvCxnSpPr>
@@ -884,13 +853,7 @@
       </p:cxnSp>
       <p:sp>
         <p:nvSpPr>
-          <p:cNvPr id="4" name="Дата 3">
-            <a:extLst>
-              <a:ext uri="{FF2B5EF4-FFF2-40B4-BE49-F238E27FC236}">
-                <a16:creationId xmlns:a16="http://schemas.microsoft.com/office/drawing/2014/main" id="{9925CCF1-92C0-4AF3-BFAF-4921631915AB}"/>
-              </a:ext>
-            </a:extLst>
-          </p:cNvPr>
+          <p:cNvPr id="4" name="Дата 3"/>
           <p:cNvSpPr>
             <a:spLocks noGrp="1"/>
           </p:cNvSpPr>
@@ -906,7 +869,6 @@
             <a:pPr rtl="0"/>
             <a:fld id="{8D4DAEB3-2211-4CA3-9D23-0143FCF3926F}" type="datetime1">
               <a:rPr lang="ru-RU" smtClean="0"/>
-              <a:t>26.04.2022</a:t>
             </a:fld>
             <a:endParaRPr lang="en-US" dirty="0"/>
           </a:p>
@@ -914,13 +876,7 @@
       </p:sp>
       <p:sp>
         <p:nvSpPr>
-          <p:cNvPr id="5" name="Нижний колонтитул 4">
-            <a:extLst>
-              <a:ext uri="{FF2B5EF4-FFF2-40B4-BE49-F238E27FC236}">
-                <a16:creationId xmlns:a16="http://schemas.microsoft.com/office/drawing/2014/main" id="{051A78A9-3DFF-4937-A9F2-5D8CF495F367}"/>
-              </a:ext>
-            </a:extLst>
-          </p:cNvPr>
+          <p:cNvPr id="5" name="Нижний колонтитул 4"/>
           <p:cNvSpPr>
             <a:spLocks noGrp="1"/>
           </p:cNvSpPr>
@@ -940,13 +896,7 @@
       </p:sp>
       <p:sp>
         <p:nvSpPr>
-          <p:cNvPr id="6" name="Номер слайда 5">
-            <a:extLst>
-              <a:ext uri="{FF2B5EF4-FFF2-40B4-BE49-F238E27FC236}">
-                <a16:creationId xmlns:a16="http://schemas.microsoft.com/office/drawing/2014/main" id="{5FAEB271-5CC0-4759-BC6E-8BE53AB227C0}"/>
-              </a:ext>
-            </a:extLst>
-          </p:cNvPr>
+          <p:cNvPr id="6" name="Номер слайда 5"/>
           <p:cNvSpPr>
             <a:spLocks noGrp="1"/>
           </p:cNvSpPr>
@@ -962,18 +912,12 @@
             <a:pPr rtl="0"/>
             <a:fld id="{3A98EE3D-8CD1-4C3F-BD1C-C98C9596463C}" type="slidenum">
               <a:rPr lang="en-US" smtClean="0"/>
-              <a:t>‹#›</a:t>
             </a:fld>
             <a:endParaRPr lang="en-US" dirty="0"/>
           </a:p>
         </p:txBody>
       </p:sp>
     </p:spTree>
-    <p:extLst>
-      <p:ext uri="{BB962C8B-B14F-4D97-AF65-F5344CB8AC3E}">
-        <p14:creationId xmlns:p14="http://schemas.microsoft.com/office/powerpoint/2010/main" val="4258331492"/>
-      </p:ext>
-    </p:extLst>
   </p:cSld>
   <p:clrMapOvr>
     <a:masterClrMapping/>
@@ -1042,6 +986,7 @@
               <a:rPr lang="ru-RU"/>
               <a:t>Образец текста</a:t>
             </a:r>
+            <a:endParaRPr lang="ru-RU"/>
           </a:p>
           <a:p>
             <a:pPr lvl="1" rtl="0"/>
@@ -1049,6 +994,7 @@
               <a:rPr lang="ru-RU"/>
               <a:t>Второй уровень</a:t>
             </a:r>
+            <a:endParaRPr lang="ru-RU"/>
           </a:p>
           <a:p>
             <a:pPr lvl="2" rtl="0"/>
@@ -1056,6 +1002,7 @@
               <a:rPr lang="ru-RU"/>
               <a:t>Третий уровень</a:t>
             </a:r>
+            <a:endParaRPr lang="ru-RU"/>
           </a:p>
           <a:p>
             <a:pPr lvl="3" rtl="0"/>
@@ -1063,6 +1010,7 @@
               <a:rPr lang="ru-RU"/>
               <a:t>Четвертый уровень</a:t>
             </a:r>
+            <a:endParaRPr lang="ru-RU"/>
           </a:p>
           <a:p>
             <a:pPr lvl="4" rtl="0"/>
@@ -1076,13 +1024,7 @@
       </p:sp>
       <p:sp>
         <p:nvSpPr>
-          <p:cNvPr id="7" name="Дата 6">
-            <a:extLst>
-              <a:ext uri="{FF2B5EF4-FFF2-40B4-BE49-F238E27FC236}">
-                <a16:creationId xmlns:a16="http://schemas.microsoft.com/office/drawing/2014/main" id="{7D5506EE-1026-4F35-9ACC-BD05BE0F9B36}"/>
-              </a:ext>
-            </a:extLst>
-          </p:cNvPr>
+          <p:cNvPr id="7" name="Дата 6"/>
           <p:cNvSpPr>
             <a:spLocks noGrp="1"/>
           </p:cNvSpPr>
@@ -1098,7 +1040,6 @@
             <a:pPr rtl="0"/>
             <a:fld id="{A82E9B35-0826-45CC-9C2C-707B22DFAA83}" type="datetime1">
               <a:rPr lang="ru-RU" smtClean="0"/>
-              <a:t>26.04.2022</a:t>
             </a:fld>
             <a:endParaRPr lang="en-US" dirty="0"/>
           </a:p>
@@ -1106,13 +1047,7 @@
       </p:sp>
       <p:sp>
         <p:nvSpPr>
-          <p:cNvPr id="8" name="Нижний колонтитул 7">
-            <a:extLst>
-              <a:ext uri="{FF2B5EF4-FFF2-40B4-BE49-F238E27FC236}">
-                <a16:creationId xmlns:a16="http://schemas.microsoft.com/office/drawing/2014/main" id="{B7696E5F-8D95-4450-AE52-5438E6EDE2BF}"/>
-              </a:ext>
-            </a:extLst>
-          </p:cNvPr>
+          <p:cNvPr id="8" name="Нижний колонтитул 7"/>
           <p:cNvSpPr>
             <a:spLocks noGrp="1"/>
           </p:cNvSpPr>
@@ -1132,13 +1067,7 @@
       </p:sp>
       <p:sp>
         <p:nvSpPr>
-          <p:cNvPr id="9" name="Номер слайда 8">
-            <a:extLst>
-              <a:ext uri="{FF2B5EF4-FFF2-40B4-BE49-F238E27FC236}">
-                <a16:creationId xmlns:a16="http://schemas.microsoft.com/office/drawing/2014/main" id="{999B2253-74CC-409E-BEB0-F8EFCFCB5629}"/>
-              </a:ext>
-            </a:extLst>
-          </p:cNvPr>
+          <p:cNvPr id="9" name="Номер слайда 8"/>
           <p:cNvSpPr>
             <a:spLocks noGrp="1"/>
           </p:cNvSpPr>
@@ -1154,18 +1083,12 @@
             <a:pPr rtl="0"/>
             <a:fld id="{3A98EE3D-8CD1-4C3F-BD1C-C98C9596463C}" type="slidenum">
               <a:rPr lang="en-US" smtClean="0"/>
-              <a:t>‹#›</a:t>
             </a:fld>
             <a:endParaRPr lang="en-US" dirty="0"/>
           </a:p>
         </p:txBody>
       </p:sp>
     </p:spTree>
-    <p:extLst>
-      <p:ext uri="{BB962C8B-B14F-4D97-AF65-F5344CB8AC3E}">
-        <p14:creationId xmlns:p14="http://schemas.microsoft.com/office/powerpoint/2010/main" val="1672269861"/>
-      </p:ext>
-    </p:extLst>
   </p:cSld>
   <p:clrMapOvr>
     <a:masterClrMapping/>
@@ -1174,7 +1097,7 @@
 </file>
 
 <file path=ppt/slideLayouts/slideLayout11.xml><?xml version="1.0" encoding="utf-8"?>
-<p:sldLayout xmlns:a="http://schemas.openxmlformats.org/drawingml/2006/main" xmlns:r="http://schemas.openxmlformats.org/officeDocument/2006/relationships" xmlns:p="http://schemas.openxmlformats.org/presentationml/2006/main" showMasterSp="0" type="vertTitleAndTx" preserve="1">
+<p:sldLayout xmlns:a="http://schemas.openxmlformats.org/drawingml/2006/main" xmlns:r="http://schemas.openxmlformats.org/officeDocument/2006/relationships" xmlns:p="http://schemas.openxmlformats.org/presentationml/2006/main" type="vertTitleAndTx" preserve="1" showMasterSp="0">
   <p:cSld name="Вертикальный заголовок и текст">
     <p:spTree>
       <p:nvGrpSpPr>
@@ -1192,13 +1115,7 @@
       </p:grpSpPr>
       <p:sp>
         <p:nvSpPr>
-          <p:cNvPr id="9" name="Прямоугольник 8">
-            <a:extLst>
-              <a:ext uri="{FF2B5EF4-FFF2-40B4-BE49-F238E27FC236}">
-                <a16:creationId xmlns:a16="http://schemas.microsoft.com/office/drawing/2014/main" id="{E1B68A5B-D9FA-424B-A4EB-30E7223836B3}"/>
-              </a:ext>
-            </a:extLst>
-          </p:cNvPr>
+          <p:cNvPr id="9" name="Прямоугольник 8"/>
           <p:cNvSpPr/>
           <p:nvPr/>
         </p:nvSpPr>
@@ -1288,6 +1205,7 @@
               <a:rPr lang="ru-RU"/>
               <a:t>Образец текста</a:t>
             </a:r>
+            <a:endParaRPr lang="ru-RU"/>
           </a:p>
           <a:p>
             <a:pPr lvl="1" rtl="0"/>
@@ -1295,6 +1213,7 @@
               <a:rPr lang="ru-RU"/>
               <a:t>Второй уровень</a:t>
             </a:r>
+            <a:endParaRPr lang="ru-RU"/>
           </a:p>
           <a:p>
             <a:pPr lvl="2" rtl="0"/>
@@ -1302,6 +1221,7 @@
               <a:rPr lang="ru-RU"/>
               <a:t>Третий уровень</a:t>
             </a:r>
+            <a:endParaRPr lang="ru-RU"/>
           </a:p>
           <a:p>
             <a:pPr lvl="3" rtl="0"/>
@@ -1309,6 +1229,7 @@
               <a:rPr lang="ru-RU"/>
               <a:t>Четвертый уровень</a:t>
             </a:r>
+            <a:endParaRPr lang="ru-RU"/>
           </a:p>
           <a:p>
             <a:pPr lvl="4" rtl="0"/>
@@ -1322,13 +1243,7 @@
       </p:sp>
       <p:sp>
         <p:nvSpPr>
-          <p:cNvPr id="7" name="Дата 6">
-            <a:extLst>
-              <a:ext uri="{FF2B5EF4-FFF2-40B4-BE49-F238E27FC236}">
-                <a16:creationId xmlns:a16="http://schemas.microsoft.com/office/drawing/2014/main" id="{AF33D6B0-F070-45C4-A472-19F432BE3932}"/>
-              </a:ext>
-            </a:extLst>
-          </p:cNvPr>
+          <p:cNvPr id="7" name="Дата 6"/>
           <p:cNvSpPr>
             <a:spLocks noGrp="1"/>
           </p:cNvSpPr>
@@ -1344,7 +1259,6 @@
             <a:pPr rtl="0"/>
             <a:fld id="{74C0063D-EDF2-4190-A726-B9B651F864E7}" type="datetime1">
               <a:rPr lang="ru-RU" smtClean="0"/>
-              <a:t>26.04.2022</a:t>
             </a:fld>
             <a:endParaRPr lang="en-US" dirty="0"/>
           </a:p>
@@ -1352,13 +1266,7 @@
       </p:sp>
       <p:sp>
         <p:nvSpPr>
-          <p:cNvPr id="8" name="Нижний колонтитул 7">
-            <a:extLst>
-              <a:ext uri="{FF2B5EF4-FFF2-40B4-BE49-F238E27FC236}">
-                <a16:creationId xmlns:a16="http://schemas.microsoft.com/office/drawing/2014/main" id="{9975399F-DAB2-410D-967F-ED17E6F796E7}"/>
-              </a:ext>
-            </a:extLst>
-          </p:cNvPr>
+          <p:cNvPr id="8" name="Нижний колонтитул 7"/>
           <p:cNvSpPr>
             <a:spLocks noGrp="1"/>
           </p:cNvSpPr>
@@ -1378,13 +1286,7 @@
       </p:sp>
       <p:sp>
         <p:nvSpPr>
-          <p:cNvPr id="10" name="Номер слайда 9">
-            <a:extLst>
-              <a:ext uri="{FF2B5EF4-FFF2-40B4-BE49-F238E27FC236}">
-                <a16:creationId xmlns:a16="http://schemas.microsoft.com/office/drawing/2014/main" id="{F762A46F-6BE5-4D12-9412-5CA7672EA8EC}"/>
-              </a:ext>
-            </a:extLst>
-          </p:cNvPr>
+          <p:cNvPr id="10" name="Номер слайда 9"/>
           <p:cNvSpPr>
             <a:spLocks noGrp="1"/>
           </p:cNvSpPr>
@@ -1400,18 +1302,12 @@
             <a:pPr rtl="0"/>
             <a:fld id="{3A98EE3D-8CD1-4C3F-BD1C-C98C9596463C}" type="slidenum">
               <a:rPr lang="en-US" smtClean="0"/>
-              <a:t>‹#›</a:t>
             </a:fld>
             <a:endParaRPr lang="en-US" dirty="0"/>
           </a:p>
         </p:txBody>
       </p:sp>
     </p:spTree>
-    <p:extLst>
-      <p:ext uri="{BB962C8B-B14F-4D97-AF65-F5344CB8AC3E}">
-        <p14:creationId xmlns:p14="http://schemas.microsoft.com/office/powerpoint/2010/main" val="761827292"/>
-      </p:ext>
-    </p:extLst>
   </p:cSld>
   <p:clrMapOvr>
     <a:masterClrMapping/>
@@ -1480,6 +1376,7 @@
               <a:rPr lang="ru-RU"/>
               <a:t>Образец текста</a:t>
             </a:r>
+            <a:endParaRPr lang="ru-RU"/>
           </a:p>
           <a:p>
             <a:pPr lvl="1" rtl="0"/>
@@ -1487,6 +1384,7 @@
               <a:rPr lang="ru-RU"/>
               <a:t>Второй уровень</a:t>
             </a:r>
+            <a:endParaRPr lang="ru-RU"/>
           </a:p>
           <a:p>
             <a:pPr lvl="2" rtl="0"/>
@@ -1494,6 +1392,7 @@
               <a:rPr lang="ru-RU"/>
               <a:t>Третий уровень</a:t>
             </a:r>
+            <a:endParaRPr lang="ru-RU"/>
           </a:p>
           <a:p>
             <a:pPr lvl="3" rtl="0"/>
@@ -1501,6 +1400,7 @@
               <a:rPr lang="ru-RU"/>
               <a:t>Четвертый уровень</a:t>
             </a:r>
+            <a:endParaRPr lang="ru-RU"/>
           </a:p>
           <a:p>
             <a:pPr lvl="4" rtl="0"/>
@@ -1514,13 +1414,7 @@
       </p:sp>
       <p:sp>
         <p:nvSpPr>
-          <p:cNvPr id="7" name="Дата 6">
-            <a:extLst>
-              <a:ext uri="{FF2B5EF4-FFF2-40B4-BE49-F238E27FC236}">
-                <a16:creationId xmlns:a16="http://schemas.microsoft.com/office/drawing/2014/main" id="{354D8B55-9EA8-4B81-8E84-9B93B0A27559}"/>
-              </a:ext>
-            </a:extLst>
-          </p:cNvPr>
+          <p:cNvPr id="7" name="Дата 6"/>
           <p:cNvSpPr>
             <a:spLocks noGrp="1"/>
           </p:cNvSpPr>
@@ -1536,7 +1430,6 @@
             <a:pPr rtl="0"/>
             <a:fld id="{BE289488-0C23-4DC8-A9FA-240659547385}" type="datetime1">
               <a:rPr lang="ru-RU" smtClean="0"/>
-              <a:t>26.04.2022</a:t>
             </a:fld>
             <a:endParaRPr lang="en-US" dirty="0"/>
           </a:p>
@@ -1544,13 +1437,7 @@
       </p:sp>
       <p:sp>
         <p:nvSpPr>
-          <p:cNvPr id="8" name="Нижний колонтитул 7">
-            <a:extLst>
-              <a:ext uri="{FF2B5EF4-FFF2-40B4-BE49-F238E27FC236}">
-                <a16:creationId xmlns:a16="http://schemas.microsoft.com/office/drawing/2014/main" id="{062CA021-2578-47CB-822C-BDDFF7223B28}"/>
-              </a:ext>
-            </a:extLst>
-          </p:cNvPr>
+          <p:cNvPr id="8" name="Нижний колонтитул 7"/>
           <p:cNvSpPr>
             <a:spLocks noGrp="1"/>
           </p:cNvSpPr>
@@ -1570,13 +1457,7 @@
       </p:sp>
       <p:sp>
         <p:nvSpPr>
-          <p:cNvPr id="9" name="Номер слайда 8">
-            <a:extLst>
-              <a:ext uri="{FF2B5EF4-FFF2-40B4-BE49-F238E27FC236}">
-                <a16:creationId xmlns:a16="http://schemas.microsoft.com/office/drawing/2014/main" id="{C4AAB51D-4141-4682-9375-DAFD5FB9DD10}"/>
-              </a:ext>
-            </a:extLst>
-          </p:cNvPr>
+          <p:cNvPr id="9" name="Номер слайда 8"/>
           <p:cNvSpPr>
             <a:spLocks noGrp="1"/>
           </p:cNvSpPr>
@@ -1592,18 +1473,12 @@
             <a:pPr rtl="0"/>
             <a:fld id="{3A98EE3D-8CD1-4C3F-BD1C-C98C9596463C}" type="slidenum">
               <a:rPr lang="en-US" smtClean="0"/>
-              <a:t>‹#›</a:t>
             </a:fld>
             <a:endParaRPr lang="en-US" dirty="0"/>
           </a:p>
         </p:txBody>
       </p:sp>
     </p:spTree>
-    <p:extLst>
-      <p:ext uri="{BB962C8B-B14F-4D97-AF65-F5344CB8AC3E}">
-        <p14:creationId xmlns:p14="http://schemas.microsoft.com/office/powerpoint/2010/main" val="892670607"/>
-      </p:ext>
-    </p:extLst>
   </p:cSld>
   <p:clrMapOvr>
     <a:masterClrMapping/>
@@ -1612,7 +1487,7 @@
 </file>
 
 <file path=ppt/slideLayouts/slideLayout3.xml><?xml version="1.0" encoding="utf-8"?>
-<p:sldLayout xmlns:a="http://schemas.openxmlformats.org/drawingml/2006/main" xmlns:r="http://schemas.openxmlformats.org/officeDocument/2006/relationships" xmlns:p="http://schemas.openxmlformats.org/presentationml/2006/main" showMasterSp="0" type="secHead" preserve="1">
+<p:sldLayout xmlns:a="http://schemas.openxmlformats.org/drawingml/2006/main" xmlns:r="http://schemas.openxmlformats.org/officeDocument/2006/relationships" xmlns:p="http://schemas.openxmlformats.org/presentationml/2006/main" type="secHead" preserve="1" showMasterSp="0">
   <p:cSld name="Заголовок раздела">
     <p:bg>
       <p:bgPr>
@@ -1638,13 +1513,7 @@
       </p:grpSpPr>
       <p:sp>
         <p:nvSpPr>
-          <p:cNvPr id="10" name="Прямоугольник 9">
-            <a:extLst>
-              <a:ext uri="{FF2B5EF4-FFF2-40B4-BE49-F238E27FC236}">
-                <a16:creationId xmlns:a16="http://schemas.microsoft.com/office/drawing/2014/main" id="{A585C21A-8B93-4657-B5DF-7EAEAD3BE127}"/>
-              </a:ext>
-            </a:extLst>
-          </p:cNvPr>
+          <p:cNvPr id="10" name="Прямоугольник 9"/>
           <p:cNvSpPr/>
           <p:nvPr/>
         </p:nvSpPr>
@@ -1843,18 +1712,13 @@
               <a:rPr lang="ru-RU"/>
               <a:t>Образец текста</a:t>
             </a:r>
+            <a:endParaRPr lang="ru-RU"/>
           </a:p>
         </p:txBody>
       </p:sp>
       <p:cxnSp>
         <p:nvCxnSpPr>
-          <p:cNvPr id="9" name="Прямая соединительная линия 8">
-            <a:extLst>
-              <a:ext uri="{FF2B5EF4-FFF2-40B4-BE49-F238E27FC236}">
-                <a16:creationId xmlns:a16="http://schemas.microsoft.com/office/drawing/2014/main" id="{459DE2C1-4C52-40A3-8959-27B2C1BEBFF6}"/>
-              </a:ext>
-            </a:extLst>
-          </p:cNvPr>
+          <p:cNvPr id="9" name="Прямая соединительная линия 8"/>
           <p:cNvCxnSpPr/>
           <p:nvPr/>
         </p:nvCxnSpPr>
@@ -1892,13 +1756,7 @@
       </p:cxnSp>
       <p:sp>
         <p:nvSpPr>
-          <p:cNvPr id="7" name="Дата 6">
-            <a:extLst>
-              <a:ext uri="{FF2B5EF4-FFF2-40B4-BE49-F238E27FC236}">
-                <a16:creationId xmlns:a16="http://schemas.microsoft.com/office/drawing/2014/main" id="{AAF2E137-EC28-48F8-9198-1F02539029B6}"/>
-              </a:ext>
-            </a:extLst>
-          </p:cNvPr>
+          <p:cNvPr id="7" name="Дата 6"/>
           <p:cNvSpPr>
             <a:spLocks noGrp="1"/>
           </p:cNvSpPr>
@@ -1914,7 +1772,6 @@
             <a:pPr rtl="0"/>
             <a:fld id="{33EFA117-2261-4A1D-8BE7-0B7E6A1366C0}" type="datetime1">
               <a:rPr lang="ru-RU" smtClean="0"/>
-              <a:t>26.04.2022</a:t>
             </a:fld>
             <a:endParaRPr lang="en-US" dirty="0"/>
           </a:p>
@@ -1922,13 +1779,7 @@
       </p:sp>
       <p:sp>
         <p:nvSpPr>
-          <p:cNvPr id="8" name="Нижний колонтитул 7">
-            <a:extLst>
-              <a:ext uri="{FF2B5EF4-FFF2-40B4-BE49-F238E27FC236}">
-                <a16:creationId xmlns:a16="http://schemas.microsoft.com/office/drawing/2014/main" id="{189422CD-6F62-4DD6-89EF-07A60B42D219}"/>
-              </a:ext>
-            </a:extLst>
-          </p:cNvPr>
+          <p:cNvPr id="8" name="Нижний колонтитул 7"/>
           <p:cNvSpPr>
             <a:spLocks noGrp="1"/>
           </p:cNvSpPr>
@@ -1948,13 +1799,7 @@
       </p:sp>
       <p:sp>
         <p:nvSpPr>
-          <p:cNvPr id="11" name="Номер слайда 10">
-            <a:extLst>
-              <a:ext uri="{FF2B5EF4-FFF2-40B4-BE49-F238E27FC236}">
-                <a16:creationId xmlns:a16="http://schemas.microsoft.com/office/drawing/2014/main" id="{69C6AFF8-42B4-4D05-969B-9F5FB3355555}"/>
-              </a:ext>
-            </a:extLst>
-          </p:cNvPr>
+          <p:cNvPr id="11" name="Номер слайда 10"/>
           <p:cNvSpPr>
             <a:spLocks noGrp="1"/>
           </p:cNvSpPr>
@@ -1970,18 +1815,12 @@
             <a:pPr rtl="0"/>
             <a:fld id="{3A98EE3D-8CD1-4C3F-BD1C-C98C9596463C}" type="slidenum">
               <a:rPr lang="en-US" smtClean="0"/>
-              <a:t>‹#›</a:t>
             </a:fld>
             <a:endParaRPr lang="en-US" dirty="0"/>
           </a:p>
         </p:txBody>
       </p:sp>
     </p:spTree>
-    <p:extLst>
-      <p:ext uri="{BB962C8B-B14F-4D97-AF65-F5344CB8AC3E}">
-        <p14:creationId xmlns:p14="http://schemas.microsoft.com/office/powerpoint/2010/main" val="3304162564"/>
-      </p:ext>
-    </p:extLst>
   </p:cSld>
   <p:clrMapOvr>
     <a:masterClrMapping/>
@@ -2060,6 +1899,7 @@
               <a:rPr lang="ru-RU"/>
               <a:t>Образец текста</a:t>
             </a:r>
+            <a:endParaRPr lang="ru-RU"/>
           </a:p>
           <a:p>
             <a:pPr lvl="1" rtl="0"/>
@@ -2067,6 +1907,7 @@
               <a:rPr lang="ru-RU"/>
               <a:t>Второй уровень</a:t>
             </a:r>
+            <a:endParaRPr lang="ru-RU"/>
           </a:p>
           <a:p>
             <a:pPr lvl="2" rtl="0"/>
@@ -2074,6 +1915,7 @@
               <a:rPr lang="ru-RU"/>
               <a:t>Третий уровень</a:t>
             </a:r>
+            <a:endParaRPr lang="ru-RU"/>
           </a:p>
           <a:p>
             <a:pPr lvl="3" rtl="0"/>
@@ -2081,6 +1923,7 @@
               <a:rPr lang="ru-RU"/>
               <a:t>Четвертый уровень</a:t>
             </a:r>
+            <a:endParaRPr lang="ru-RU"/>
           </a:p>
           <a:p>
             <a:pPr lvl="4" rtl="0"/>
@@ -2117,6 +1960,7 @@
               <a:rPr lang="ru-RU"/>
               <a:t>Образец текста</a:t>
             </a:r>
+            <a:endParaRPr lang="ru-RU"/>
           </a:p>
           <a:p>
             <a:pPr lvl="1" rtl="0"/>
@@ -2124,6 +1968,7 @@
               <a:rPr lang="ru-RU"/>
               <a:t>Второй уровень</a:t>
             </a:r>
+            <a:endParaRPr lang="ru-RU"/>
           </a:p>
           <a:p>
             <a:pPr lvl="2" rtl="0"/>
@@ -2131,6 +1976,7 @@
               <a:rPr lang="ru-RU"/>
               <a:t>Третий уровень</a:t>
             </a:r>
+            <a:endParaRPr lang="ru-RU"/>
           </a:p>
           <a:p>
             <a:pPr lvl="3" rtl="0"/>
@@ -2138,6 +1984,7 @@
               <a:rPr lang="ru-RU"/>
               <a:t>Четвертый уровень</a:t>
             </a:r>
+            <a:endParaRPr lang="ru-RU"/>
           </a:p>
           <a:p>
             <a:pPr lvl="4" rtl="0"/>
@@ -2151,13 +1998,7 @@
       </p:sp>
       <p:sp>
         <p:nvSpPr>
-          <p:cNvPr id="2" name="Дата 1">
-            <a:extLst>
-              <a:ext uri="{FF2B5EF4-FFF2-40B4-BE49-F238E27FC236}">
-                <a16:creationId xmlns:a16="http://schemas.microsoft.com/office/drawing/2014/main" id="{5782D47D-B0DC-4C40-BCC6-BBBA32584A38}"/>
-              </a:ext>
-            </a:extLst>
-          </p:cNvPr>
+          <p:cNvPr id="2" name="Дата 1"/>
           <p:cNvSpPr>
             <a:spLocks noGrp="1"/>
           </p:cNvSpPr>
@@ -2173,7 +2014,6 @@
             <a:pPr rtl="0"/>
             <a:fld id="{659279E9-B6DA-4AB3-A7CE-B748E56BEA69}" type="datetime1">
               <a:rPr lang="ru-RU" smtClean="0"/>
-              <a:t>26.04.2022</a:t>
             </a:fld>
             <a:endParaRPr lang="en-US" dirty="0"/>
           </a:p>
@@ -2181,13 +2021,7 @@
       </p:sp>
       <p:sp>
         <p:nvSpPr>
-          <p:cNvPr id="9" name="Нижний колонтитул 8">
-            <a:extLst>
-              <a:ext uri="{FF2B5EF4-FFF2-40B4-BE49-F238E27FC236}">
-                <a16:creationId xmlns:a16="http://schemas.microsoft.com/office/drawing/2014/main" id="{4690D34E-7EBD-44B2-83CA-4C126A18D7EF}"/>
-              </a:ext>
-            </a:extLst>
-          </p:cNvPr>
+          <p:cNvPr id="9" name="Нижний колонтитул 8"/>
           <p:cNvSpPr>
             <a:spLocks noGrp="1"/>
           </p:cNvSpPr>
@@ -2207,13 +2041,7 @@
       </p:sp>
       <p:sp>
         <p:nvSpPr>
-          <p:cNvPr id="10" name="Номер слайда 9">
-            <a:extLst>
-              <a:ext uri="{FF2B5EF4-FFF2-40B4-BE49-F238E27FC236}">
-                <a16:creationId xmlns:a16="http://schemas.microsoft.com/office/drawing/2014/main" id="{2AC511A1-9BBD-42DE-92FB-2AF44F8E97A9}"/>
-              </a:ext>
-            </a:extLst>
-          </p:cNvPr>
+          <p:cNvPr id="10" name="Номер слайда 9"/>
           <p:cNvSpPr>
             <a:spLocks noGrp="1"/>
           </p:cNvSpPr>
@@ -2229,18 +2057,12 @@
             <a:pPr rtl="0"/>
             <a:fld id="{3A98EE3D-8CD1-4C3F-BD1C-C98C9596463C}" type="slidenum">
               <a:rPr lang="en-US" smtClean="0"/>
-              <a:t>‹#›</a:t>
             </a:fld>
             <a:endParaRPr lang="en-US" dirty="0"/>
           </a:p>
         </p:txBody>
       </p:sp>
     </p:spTree>
-    <p:extLst>
-      <p:ext uri="{BB962C8B-B14F-4D97-AF65-F5344CB8AC3E}">
-        <p14:creationId xmlns:p14="http://schemas.microsoft.com/office/powerpoint/2010/main" val="4256663047"/>
-      </p:ext>
-    </p:extLst>
   </p:cSld>
   <p:clrMapOvr>
     <a:masterClrMapping/>
@@ -2362,6 +2184,7 @@
               <a:rPr lang="ru-RU"/>
               <a:t>Образец текста</a:t>
             </a:r>
+            <a:endParaRPr lang="ru-RU"/>
           </a:p>
         </p:txBody>
       </p:sp>
@@ -2390,6 +2213,7 @@
               <a:rPr lang="ru-RU"/>
               <a:t>Образец текста</a:t>
             </a:r>
+            <a:endParaRPr lang="ru-RU"/>
           </a:p>
           <a:p>
             <a:pPr lvl="1" rtl="0"/>
@@ -2397,6 +2221,7 @@
               <a:rPr lang="ru-RU"/>
               <a:t>Второй уровень</a:t>
             </a:r>
+            <a:endParaRPr lang="ru-RU"/>
           </a:p>
           <a:p>
             <a:pPr lvl="2" rtl="0"/>
@@ -2404,6 +2229,7 @@
               <a:rPr lang="ru-RU"/>
               <a:t>Третий уровень</a:t>
             </a:r>
+            <a:endParaRPr lang="ru-RU"/>
           </a:p>
           <a:p>
             <a:pPr lvl="3" rtl="0"/>
@@ -2411,6 +2237,7 @@
               <a:rPr lang="ru-RU"/>
               <a:t>Четвертый уровень</a:t>
             </a:r>
+            <a:endParaRPr lang="ru-RU"/>
           </a:p>
           <a:p>
             <a:pPr lvl="4" rtl="0"/>
@@ -2490,6 +2317,7 @@
               <a:rPr lang="ru-RU"/>
               <a:t>Образец текста</a:t>
             </a:r>
+            <a:endParaRPr lang="ru-RU"/>
           </a:p>
         </p:txBody>
       </p:sp>
@@ -2518,6 +2346,7 @@
               <a:rPr lang="ru-RU"/>
               <a:t>Образец текста</a:t>
             </a:r>
+            <a:endParaRPr lang="ru-RU"/>
           </a:p>
           <a:p>
             <a:pPr lvl="1" rtl="0"/>
@@ -2525,6 +2354,7 @@
               <a:rPr lang="ru-RU"/>
               <a:t>Второй уровень</a:t>
             </a:r>
+            <a:endParaRPr lang="ru-RU"/>
           </a:p>
           <a:p>
             <a:pPr lvl="2" rtl="0"/>
@@ -2532,6 +2362,7 @@
               <a:rPr lang="ru-RU"/>
               <a:t>Третий уровень</a:t>
             </a:r>
+            <a:endParaRPr lang="ru-RU"/>
           </a:p>
           <a:p>
             <a:pPr lvl="3" rtl="0"/>
@@ -2539,6 +2370,7 @@
               <a:rPr lang="ru-RU"/>
               <a:t>Четвертый уровень</a:t>
             </a:r>
+            <a:endParaRPr lang="ru-RU"/>
           </a:p>
           <a:p>
             <a:pPr lvl="4" rtl="0"/>
@@ -2552,13 +2384,7 @@
       </p:sp>
       <p:sp>
         <p:nvSpPr>
-          <p:cNvPr id="2" name="Дата 1">
-            <a:extLst>
-              <a:ext uri="{FF2B5EF4-FFF2-40B4-BE49-F238E27FC236}">
-                <a16:creationId xmlns:a16="http://schemas.microsoft.com/office/drawing/2014/main" id="{8AF8A515-AA94-45D1-9223-5C2272618D85}"/>
-              </a:ext>
-            </a:extLst>
-          </p:cNvPr>
+          <p:cNvPr id="2" name="Дата 1"/>
           <p:cNvSpPr>
             <a:spLocks noGrp="1"/>
           </p:cNvSpPr>
@@ -2574,7 +2400,6 @@
             <a:pPr rtl="0"/>
             <a:fld id="{17CF7452-61A3-4CDC-ACAB-74E5B4A7EF57}" type="datetime1">
               <a:rPr lang="ru-RU" smtClean="0"/>
-              <a:t>26.04.2022</a:t>
             </a:fld>
             <a:endParaRPr lang="en-US" dirty="0"/>
           </a:p>
@@ -2582,13 +2407,7 @@
       </p:sp>
       <p:sp>
         <p:nvSpPr>
-          <p:cNvPr id="11" name="Нижний колонтитул 10">
-            <a:extLst>
-              <a:ext uri="{FF2B5EF4-FFF2-40B4-BE49-F238E27FC236}">
-                <a16:creationId xmlns:a16="http://schemas.microsoft.com/office/drawing/2014/main" id="{D052F5BC-98E0-4D60-AD67-9547738B7DD4}"/>
-              </a:ext>
-            </a:extLst>
-          </p:cNvPr>
+          <p:cNvPr id="11" name="Нижний колонтитул 10"/>
           <p:cNvSpPr>
             <a:spLocks noGrp="1"/>
           </p:cNvSpPr>
@@ -2608,13 +2427,7 @@
       </p:sp>
       <p:sp>
         <p:nvSpPr>
-          <p:cNvPr id="12" name="Номер слайда 11">
-            <a:extLst>
-              <a:ext uri="{FF2B5EF4-FFF2-40B4-BE49-F238E27FC236}">
-                <a16:creationId xmlns:a16="http://schemas.microsoft.com/office/drawing/2014/main" id="{A38552DC-952E-41EA-AAAF-C2187523C0B0}"/>
-              </a:ext>
-            </a:extLst>
-          </p:cNvPr>
+          <p:cNvPr id="12" name="Номер слайда 11"/>
           <p:cNvSpPr>
             <a:spLocks noGrp="1"/>
           </p:cNvSpPr>
@@ -2630,18 +2443,12 @@
             <a:pPr rtl="0"/>
             <a:fld id="{3A98EE3D-8CD1-4C3F-BD1C-C98C9596463C}" type="slidenum">
               <a:rPr lang="en-US" smtClean="0"/>
-              <a:t>‹#›</a:t>
             </a:fld>
             <a:endParaRPr lang="en-US" dirty="0"/>
           </a:p>
         </p:txBody>
       </p:sp>
     </p:spTree>
-    <p:extLst>
-      <p:ext uri="{BB962C8B-B14F-4D97-AF65-F5344CB8AC3E}">
-        <p14:creationId xmlns:p14="http://schemas.microsoft.com/office/powerpoint/2010/main" val="3068194699"/>
-      </p:ext>
-    </p:extLst>
   </p:cSld>
   <p:clrMapOvr>
     <a:masterClrMapping/>
@@ -2692,13 +2499,7 @@
       </p:sp>
       <p:sp>
         <p:nvSpPr>
-          <p:cNvPr id="6" name="Дата 5">
-            <a:extLst>
-              <a:ext uri="{FF2B5EF4-FFF2-40B4-BE49-F238E27FC236}">
-                <a16:creationId xmlns:a16="http://schemas.microsoft.com/office/drawing/2014/main" id="{7392073F-158F-44A3-8913-917AFFC1BC20}"/>
-              </a:ext>
-            </a:extLst>
-          </p:cNvPr>
+          <p:cNvPr id="6" name="Дата 5"/>
           <p:cNvSpPr>
             <a:spLocks noGrp="1"/>
           </p:cNvSpPr>
@@ -2714,7 +2515,6 @@
             <a:pPr rtl="0"/>
             <a:fld id="{E4D00952-BE77-47A2-BE29-2226E2D6BB12}" type="datetime1">
               <a:rPr lang="ru-RU" smtClean="0"/>
-              <a:t>26.04.2022</a:t>
             </a:fld>
             <a:endParaRPr lang="en-US" dirty="0"/>
           </a:p>
@@ -2722,13 +2522,7 @@
       </p:sp>
       <p:sp>
         <p:nvSpPr>
-          <p:cNvPr id="7" name="Нижний колонтитул 6">
-            <a:extLst>
-              <a:ext uri="{FF2B5EF4-FFF2-40B4-BE49-F238E27FC236}">
-                <a16:creationId xmlns:a16="http://schemas.microsoft.com/office/drawing/2014/main" id="{EED72207-24CA-42B7-A975-2F8E41CBA904}"/>
-              </a:ext>
-            </a:extLst>
-          </p:cNvPr>
+          <p:cNvPr id="7" name="Нижний колонтитул 6"/>
           <p:cNvSpPr>
             <a:spLocks noGrp="1"/>
           </p:cNvSpPr>
@@ -2748,13 +2542,7 @@
       </p:sp>
       <p:sp>
         <p:nvSpPr>
-          <p:cNvPr id="8" name="Номер слайда 7">
-            <a:extLst>
-              <a:ext uri="{FF2B5EF4-FFF2-40B4-BE49-F238E27FC236}">
-                <a16:creationId xmlns:a16="http://schemas.microsoft.com/office/drawing/2014/main" id="{D01080F2-251A-4B88-9A62-16F46D724F83}"/>
-              </a:ext>
-            </a:extLst>
-          </p:cNvPr>
+          <p:cNvPr id="8" name="Номер слайда 7"/>
           <p:cNvSpPr>
             <a:spLocks noGrp="1"/>
           </p:cNvSpPr>
@@ -2770,18 +2558,12 @@
             <a:pPr rtl="0"/>
             <a:fld id="{3A98EE3D-8CD1-4C3F-BD1C-C98C9596463C}" type="slidenum">
               <a:rPr lang="en-US" smtClean="0"/>
-              <a:t>‹#›</a:t>
             </a:fld>
             <a:endParaRPr lang="en-US" dirty="0"/>
           </a:p>
         </p:txBody>
       </p:sp>
     </p:spTree>
-    <p:extLst>
-      <p:ext uri="{BB962C8B-B14F-4D97-AF65-F5344CB8AC3E}">
-        <p14:creationId xmlns:p14="http://schemas.microsoft.com/office/powerpoint/2010/main" val="811860513"/>
-      </p:ext>
-    </p:extLst>
   </p:cSld>
   <p:clrMapOvr>
     <a:masterClrMapping/>
@@ -2790,7 +2572,7 @@
 </file>
 
 <file path=ppt/slideLayouts/slideLayout7.xml><?xml version="1.0" encoding="utf-8"?>
-<p:sldLayout xmlns:a="http://schemas.openxmlformats.org/drawingml/2006/main" xmlns:r="http://schemas.openxmlformats.org/officeDocument/2006/relationships" xmlns:p="http://schemas.openxmlformats.org/presentationml/2006/main" showMasterSp="0" type="blank" preserve="1">
+<p:sldLayout xmlns:a="http://schemas.openxmlformats.org/drawingml/2006/main" xmlns:r="http://schemas.openxmlformats.org/officeDocument/2006/relationships" xmlns:p="http://schemas.openxmlformats.org/presentationml/2006/main" type="blank" preserve="1" showMasterSp="0">
   <p:cSld name="Пустой слайд">
     <p:spTree>
       <p:nvGrpSpPr>
@@ -2808,13 +2590,7 @@
       </p:grpSpPr>
       <p:sp>
         <p:nvSpPr>
-          <p:cNvPr id="10" name="Прямоугольник 9">
-            <a:extLst>
-              <a:ext uri="{FF2B5EF4-FFF2-40B4-BE49-F238E27FC236}">
-                <a16:creationId xmlns:a16="http://schemas.microsoft.com/office/drawing/2014/main" id="{A8E9C91B-7EAD-4562-AB0E-DFB9663AECE3}"/>
-              </a:ext>
-            </a:extLst>
-          </p:cNvPr>
+          <p:cNvPr id="10" name="Прямоугольник 9"/>
           <p:cNvSpPr/>
           <p:nvPr/>
         </p:nvSpPr>
@@ -2852,13 +2628,7 @@
       </p:sp>
       <p:sp>
         <p:nvSpPr>
-          <p:cNvPr id="2" name="Дата 1">
-            <a:extLst>
-              <a:ext uri="{FF2B5EF4-FFF2-40B4-BE49-F238E27FC236}">
-                <a16:creationId xmlns:a16="http://schemas.microsoft.com/office/drawing/2014/main" id="{94E9223F-721F-47BF-9FD5-0F8D12FF0DE1}"/>
-              </a:ext>
-            </a:extLst>
-          </p:cNvPr>
+          <p:cNvPr id="2" name="Дата 1"/>
           <p:cNvSpPr>
             <a:spLocks noGrp="1"/>
           </p:cNvSpPr>
@@ -2874,7 +2644,6 @@
             <a:pPr rtl="0"/>
             <a:fld id="{14D5EF43-AECB-4459-AE90-3AFB54138C76}" type="datetime1">
               <a:rPr lang="ru-RU" smtClean="0"/>
-              <a:t>26.04.2022</a:t>
             </a:fld>
             <a:endParaRPr lang="en-US" dirty="0"/>
           </a:p>
@@ -2882,13 +2651,7 @@
       </p:sp>
       <p:sp>
         <p:nvSpPr>
-          <p:cNvPr id="3" name="Нижний колонтитул 2">
-            <a:extLst>
-              <a:ext uri="{FF2B5EF4-FFF2-40B4-BE49-F238E27FC236}">
-                <a16:creationId xmlns:a16="http://schemas.microsoft.com/office/drawing/2014/main" id="{05915714-6BBA-4593-8591-4E26F7D58D9F}"/>
-              </a:ext>
-            </a:extLst>
-          </p:cNvPr>
+          <p:cNvPr id="3" name="Нижний колонтитул 2"/>
           <p:cNvSpPr>
             <a:spLocks noGrp="1"/>
           </p:cNvSpPr>
@@ -2908,13 +2671,7 @@
       </p:sp>
       <p:sp>
         <p:nvSpPr>
-          <p:cNvPr id="4" name="Номер слайда 3">
-            <a:extLst>
-              <a:ext uri="{FF2B5EF4-FFF2-40B4-BE49-F238E27FC236}">
-                <a16:creationId xmlns:a16="http://schemas.microsoft.com/office/drawing/2014/main" id="{BE06F857-D2E1-44DD-ABDD-EBB739645B67}"/>
-              </a:ext>
-            </a:extLst>
-          </p:cNvPr>
+          <p:cNvPr id="4" name="Номер слайда 3"/>
           <p:cNvSpPr>
             <a:spLocks noGrp="1"/>
           </p:cNvSpPr>
@@ -2930,18 +2687,12 @@
             <a:pPr rtl="0"/>
             <a:fld id="{3A98EE3D-8CD1-4C3F-BD1C-C98C9596463C}" type="slidenum">
               <a:rPr lang="en-US" smtClean="0"/>
-              <a:t>‹#›</a:t>
             </a:fld>
             <a:endParaRPr lang="en-US" dirty="0"/>
           </a:p>
         </p:txBody>
       </p:sp>
     </p:spTree>
-    <p:extLst>
-      <p:ext uri="{BB962C8B-B14F-4D97-AF65-F5344CB8AC3E}">
-        <p14:creationId xmlns:p14="http://schemas.microsoft.com/office/powerpoint/2010/main" val="2001422672"/>
-      </p:ext>
-    </p:extLst>
   </p:cSld>
   <p:clrMapOvr>
     <a:masterClrMapping/>
@@ -2950,7 +2701,7 @@
 </file>
 
 <file path=ppt/slideLayouts/slideLayout8.xml><?xml version="1.0" encoding="utf-8"?>
-<p:sldLayout xmlns:a="http://schemas.openxmlformats.org/drawingml/2006/main" xmlns:r="http://schemas.openxmlformats.org/officeDocument/2006/relationships" xmlns:p="http://schemas.openxmlformats.org/presentationml/2006/main" showMasterSp="0" type="objTx" preserve="1">
+<p:sldLayout xmlns:a="http://schemas.openxmlformats.org/drawingml/2006/main" xmlns:r="http://schemas.openxmlformats.org/officeDocument/2006/relationships" xmlns:p="http://schemas.openxmlformats.org/presentationml/2006/main" type="objTx" preserve="1" showMasterSp="0">
   <p:cSld name="Объект с подписью">
     <p:spTree>
       <p:nvGrpSpPr>
@@ -2968,13 +2719,7 @@
       </p:grpSpPr>
       <p:sp>
         <p:nvSpPr>
-          <p:cNvPr id="8" name="Прямоугольник 7">
-            <a:extLst>
-              <a:ext uri="{FF2B5EF4-FFF2-40B4-BE49-F238E27FC236}">
-                <a16:creationId xmlns:a16="http://schemas.microsoft.com/office/drawing/2014/main" id="{16D90D66-BCB9-4229-A829-628874352AC0}"/>
-              </a:ext>
-            </a:extLst>
-          </p:cNvPr>
+          <p:cNvPr id="8" name="Прямоугольник 7"/>
           <p:cNvSpPr/>
           <p:nvPr/>
         </p:nvSpPr>
@@ -3077,6 +2822,7 @@
               <a:rPr lang="ru-RU"/>
               <a:t>Образец текста</a:t>
             </a:r>
+            <a:endParaRPr lang="ru-RU"/>
           </a:p>
           <a:p>
             <a:pPr lvl="1" rtl="0"/>
@@ -3084,6 +2830,7 @@
               <a:rPr lang="ru-RU"/>
               <a:t>Второй уровень</a:t>
             </a:r>
+            <a:endParaRPr lang="ru-RU"/>
           </a:p>
           <a:p>
             <a:pPr lvl="2" rtl="0"/>
@@ -3091,6 +2838,7 @@
               <a:rPr lang="ru-RU"/>
               <a:t>Третий уровень</a:t>
             </a:r>
+            <a:endParaRPr lang="ru-RU"/>
           </a:p>
           <a:p>
             <a:pPr lvl="3" rtl="0"/>
@@ -3098,6 +2846,7 @@
               <a:rPr lang="ru-RU"/>
               <a:t>Четвертый уровень</a:t>
             </a:r>
+            <a:endParaRPr lang="ru-RU"/>
           </a:p>
           <a:p>
             <a:pPr lvl="4" rtl="0"/>
@@ -3177,6 +2926,7 @@
               <a:rPr lang="ru-RU"/>
               <a:t>Образец текста</a:t>
             </a:r>
+            <a:endParaRPr lang="ru-RU"/>
           </a:p>
         </p:txBody>
       </p:sp>
@@ -3207,7 +2957,6 @@
             <a:pPr rtl="0"/>
             <a:fld id="{FD0FAC8F-653F-479B-B209-9F30C9091843}" type="datetime1">
               <a:rPr lang="ru-RU" smtClean="0"/>
-              <a:t>26.04.2022</a:t>
             </a:fld>
             <a:endParaRPr lang="en-US" dirty="0"/>
           </a:p>
@@ -3272,19 +3021,12 @@
             <a:pPr rtl="0"/>
             <a:fld id="{3A98EE3D-8CD1-4C3F-BD1C-C98C9596463C}" type="slidenum">
               <a:rPr lang="en-US" smtClean="0"/>
-              <a:pPr/>
-              <a:t>‹#›</a:t>
             </a:fld>
             <a:endParaRPr lang="en-US" dirty="0"/>
           </a:p>
         </p:txBody>
       </p:sp>
     </p:spTree>
-    <p:extLst>
-      <p:ext uri="{BB962C8B-B14F-4D97-AF65-F5344CB8AC3E}">
-        <p14:creationId xmlns:p14="http://schemas.microsoft.com/office/powerpoint/2010/main" val="1933282235"/>
-      </p:ext>
-    </p:extLst>
   </p:cSld>
   <p:clrMapOvr>
     <a:masterClrMapping/>
@@ -3293,7 +3035,7 @@
 </file>
 
 <file path=ppt/slideLayouts/slideLayout9.xml><?xml version="1.0" encoding="utf-8"?>
-<p:sldLayout xmlns:a="http://schemas.openxmlformats.org/drawingml/2006/main" xmlns:r="http://schemas.openxmlformats.org/officeDocument/2006/relationships" xmlns:p="http://schemas.openxmlformats.org/presentationml/2006/main" showMasterSp="0" type="picTx" preserve="1">
+<p:sldLayout xmlns:a="http://schemas.openxmlformats.org/drawingml/2006/main" xmlns:r="http://schemas.openxmlformats.org/officeDocument/2006/relationships" xmlns:p="http://schemas.openxmlformats.org/presentationml/2006/main" type="picTx" preserve="1" showMasterSp="0">
   <p:cSld name="Рисунок с подписью">
     <p:spTree>
       <p:nvGrpSpPr>
@@ -3311,13 +3053,7 @@
       </p:grpSpPr>
       <p:sp>
         <p:nvSpPr>
-          <p:cNvPr id="8" name="Прямоугольник 7">
-            <a:extLst>
-              <a:ext uri="{FF2B5EF4-FFF2-40B4-BE49-F238E27FC236}">
-                <a16:creationId xmlns:a16="http://schemas.microsoft.com/office/drawing/2014/main" id="{DA134939-39C0-4522-A125-A13DFDA66490}"/>
-              </a:ext>
-            </a:extLst>
-          </p:cNvPr>
+          <p:cNvPr id="8" name="Прямоугольник 7"/>
           <p:cNvSpPr/>
           <p:nvPr/>
         </p:nvSpPr>
@@ -3537,6 +3273,7 @@
               <a:rPr lang="ru-RU"/>
               <a:t>Образец текста</a:t>
             </a:r>
+            <a:endParaRPr lang="ru-RU"/>
           </a:p>
         </p:txBody>
       </p:sp>
@@ -3562,7 +3299,6 @@
             <a:pPr rtl="0"/>
             <a:fld id="{36FD9FC9-5FD1-4E3B-B719-212F55599717}" type="datetime1">
               <a:rPr lang="ru-RU" smtClean="0"/>
-              <a:t>26.04.2022</a:t>
             </a:fld>
             <a:endParaRPr lang="en-US" dirty="0"/>
           </a:p>
@@ -3611,18 +3347,12 @@
             <a:pPr rtl="0"/>
             <a:fld id="{3A98EE3D-8CD1-4C3F-BD1C-C98C9596463C}" type="slidenum">
               <a:rPr lang="en-US" smtClean="0"/>
-              <a:t>‹#›</a:t>
             </a:fld>
             <a:endParaRPr lang="en-US" dirty="0"/>
           </a:p>
         </p:txBody>
       </p:sp>
     </p:spTree>
-    <p:extLst>
-      <p:ext uri="{BB962C8B-B14F-4D97-AF65-F5344CB8AC3E}">
-        <p14:creationId xmlns:p14="http://schemas.microsoft.com/office/powerpoint/2010/main" val="523267730"/>
-      </p:ext>
-    </p:extLst>
   </p:cSld>
   <p:clrMapOvr>
     <a:masterClrMapping/>
@@ -3654,13 +3384,7 @@
       </p:grpSpPr>
       <p:sp>
         <p:nvSpPr>
-          <p:cNvPr id="7" name="Прямоугольник 6">
-            <a:extLst>
-              <a:ext uri="{FF2B5EF4-FFF2-40B4-BE49-F238E27FC236}">
-                <a16:creationId xmlns:a16="http://schemas.microsoft.com/office/drawing/2014/main" id="{416A0E3C-60E6-4F39-BC55-5F7C224E1F7C}"/>
-              </a:ext>
-            </a:extLst>
-          </p:cNvPr>
+          <p:cNvPr id="7" name="Прямоугольник 6"/>
           <p:cNvSpPr/>
           <p:nvPr/>
         </p:nvSpPr>
@@ -3723,7 +3447,7 @@
           <a:p>
             <a:pPr rtl="0"/>
             <a:r>
-              <a:rPr lang="ru" dirty="0"/>
+              <a:rPr lang="en-US" dirty="0"/>
               <a:t>Стиль образца заголовка</a:t>
             </a:r>
             <a:endParaRPr lang="en-US" dirty="0"/>
@@ -3757,35 +3481,39 @@
           <a:p>
             <a:pPr lvl="0" rtl="0"/>
             <a:r>
-              <a:rPr lang="ru" dirty="0"/>
+              <a:rPr lang="en-US" dirty="0"/>
               <a:t>Щелкните, чтобы изменить стили текста образца слайда</a:t>
             </a:r>
+            <a:endParaRPr lang="en-US" dirty="0"/>
           </a:p>
           <a:p>
             <a:pPr lvl="1" rtl="0"/>
             <a:r>
-              <a:rPr lang="ru" dirty="0"/>
+              <a:rPr lang="en-US" dirty="0"/>
               <a:t>Второй уровень</a:t>
             </a:r>
+            <a:endParaRPr lang="en-US" dirty="0"/>
           </a:p>
           <a:p>
             <a:pPr lvl="2" rtl="0"/>
             <a:r>
-              <a:rPr lang="ru" dirty="0"/>
+              <a:rPr lang="en-US" dirty="0"/>
               <a:t>Третий уровень</a:t>
             </a:r>
+            <a:endParaRPr lang="en-US" dirty="0"/>
           </a:p>
           <a:p>
             <a:pPr lvl="3" rtl="0"/>
             <a:r>
-              <a:rPr lang="ru" dirty="0"/>
+              <a:rPr lang="en-US" dirty="0"/>
               <a:t>Четвертый уровень</a:t>
             </a:r>
+            <a:endParaRPr lang="en-US" dirty="0"/>
           </a:p>
           <a:p>
             <a:pPr lvl="4" rtl="0"/>
             <a:r>
-              <a:rPr lang="ru" dirty="0"/>
+              <a:rPr lang="en-US" dirty="0"/>
               <a:t>Пятый уровень</a:t>
             </a:r>
             <a:endParaRPr lang="en-US" dirty="0"/>
@@ -3827,7 +3555,6 @@
           <a:p>
             <a:fld id="{428A7F57-8526-4A03-89D8-FFB0245E6649}" type="datetime1">
               <a:rPr lang="ru-RU" smtClean="0"/>
-              <a:t>26.04.2022</a:t>
             </a:fld>
             <a:endParaRPr lang="en-US" dirty="0"/>
           </a:p>
@@ -3905,8 +3632,6 @@
           <a:p>
             <a:fld id="{3A98EE3D-8CD1-4C3F-BD1C-C98C9596463C}" type="slidenum">
               <a:rPr lang="en-US" smtClean="0"/>
-              <a:pPr/>
-              <a:t>‹#›</a:t>
             </a:fld>
             <a:endParaRPr lang="en-US" dirty="0"/>
           </a:p>
@@ -3914,13 +3639,7 @@
       </p:sp>
       <p:cxnSp>
         <p:nvCxnSpPr>
-          <p:cNvPr id="10" name="Прямая соединительная линия 9">
-            <a:extLst>
-              <a:ext uri="{FF2B5EF4-FFF2-40B4-BE49-F238E27FC236}">
-                <a16:creationId xmlns:a16="http://schemas.microsoft.com/office/drawing/2014/main" id="{C5025DAC-8B93-4160-B017-3A274A5828C0}"/>
-              </a:ext>
-            </a:extLst>
-          </p:cNvPr>
+          <p:cNvPr id="10" name="Прямая соединительная линия 9"/>
           <p:cNvCxnSpPr/>
           <p:nvPr/>
         </p:nvCxnSpPr>
@@ -3957,25 +3676,20 @@
         </p:style>
       </p:cxnSp>
     </p:spTree>
-    <p:extLst>
-      <p:ext uri="{BB962C8B-B14F-4D97-AF65-F5344CB8AC3E}">
-        <p14:creationId xmlns:p14="http://schemas.microsoft.com/office/powerpoint/2010/main" val="3034982234"/>
-      </p:ext>
-    </p:extLst>
   </p:cSld>
   <p:clrMap bg1="lt1" tx1="dk1" bg2="lt2" tx2="dk2" accent1="accent1" accent2="accent2" accent3="accent3" accent4="accent4" accent5="accent5" accent6="accent6" hlink="hlink" folHlink="folHlink"/>
   <p:sldLayoutIdLst>
-    <p:sldLayoutId id="2147483748" r:id="rId1"/>
-    <p:sldLayoutId id="2147483749" r:id="rId2"/>
-    <p:sldLayoutId id="2147483747" r:id="rId3"/>
-    <p:sldLayoutId id="2147483743" r:id="rId4"/>
-    <p:sldLayoutId id="2147483738" r:id="rId5"/>
-    <p:sldLayoutId id="2147483732" r:id="rId6"/>
-    <p:sldLayoutId id="2147483733" r:id="rId7"/>
-    <p:sldLayoutId id="2147483734" r:id="rId8"/>
-    <p:sldLayoutId id="2147483735" r:id="rId9"/>
-    <p:sldLayoutId id="2147483736" r:id="rId10"/>
-    <p:sldLayoutId id="2147483737" r:id="rId11"/>
+    <p:sldLayoutId id="2147483649" r:id="rId1"/>
+    <p:sldLayoutId id="2147483650" r:id="rId2"/>
+    <p:sldLayoutId id="2147483651" r:id="rId3"/>
+    <p:sldLayoutId id="2147483652" r:id="rId4"/>
+    <p:sldLayoutId id="2147483653" r:id="rId5"/>
+    <p:sldLayoutId id="2147483654" r:id="rId6"/>
+    <p:sldLayoutId id="2147483655" r:id="rId7"/>
+    <p:sldLayoutId id="2147483656" r:id="rId8"/>
+    <p:sldLayoutId id="2147483657" r:id="rId9"/>
+    <p:sldLayoutId id="2147483658" r:id="rId10"/>
+    <p:sldLayoutId id="2147483659" r:id="rId11"/>
   </p:sldLayoutIdLst>
   <p:hf sldNum="0" hdr="0" ftr="0"/>
   <p:txStyles>
@@ -4030,7 +3744,7 @@
           <a:cs typeface="Calibri" panose="020F0502020204030204" pitchFamily="34" charset="0"/>
         </a:defRPr>
       </a:lvl1pPr>
-      <a:lvl2pPr marL="384048" indent="-182880" algn="l" defTabSz="914400" rtl="0" eaLnBrk="1" latinLnBrk="0" hangingPunct="1">
+      <a:lvl2pPr marL="384175" indent="-182880" algn="l" defTabSz="914400" rtl="0" eaLnBrk="1" latinLnBrk="0" hangingPunct="1">
         <a:lnSpc>
           <a:spcPct val="100000"/>
         </a:lnSpc>
@@ -4041,7 +3755,7 @@
           <a:spcPts val="400"/>
         </a:spcAft>
         <a:buClrTx/>
-        <a:buFont typeface="Calibri" pitchFamily="34" charset="0"/>
+        <a:buFont typeface="Calibri" panose="020F0502020204030204" pitchFamily="34" charset="0"/>
         <a:buChar char="◦"/>
         <a:defRPr sz="1700" kern="1200">
           <a:solidFill>
@@ -4055,7 +3769,7 @@
           <a:cs typeface="Calibri" panose="020F0502020204030204" pitchFamily="34" charset="0"/>
         </a:defRPr>
       </a:lvl2pPr>
-      <a:lvl3pPr marL="566928" indent="-182880" algn="l" defTabSz="914400" rtl="0" eaLnBrk="1" latinLnBrk="0" hangingPunct="1">
+      <a:lvl3pPr marL="567055" indent="-182880" algn="l" defTabSz="914400" rtl="0" eaLnBrk="1" latinLnBrk="0" hangingPunct="1">
         <a:lnSpc>
           <a:spcPct val="100000"/>
         </a:lnSpc>
@@ -4066,7 +3780,7 @@
           <a:spcPts val="400"/>
         </a:spcAft>
         <a:buClrTx/>
-        <a:buFont typeface="Calibri" pitchFamily="34" charset="0"/>
+        <a:buFont typeface="Calibri" panose="020F0502020204030204" pitchFamily="34" charset="0"/>
         <a:buChar char="◦"/>
         <a:defRPr sz="1300" kern="1200">
           <a:solidFill>
@@ -4080,7 +3794,7 @@
           <a:cs typeface="Calibri" panose="020F0502020204030204" pitchFamily="34" charset="0"/>
         </a:defRPr>
       </a:lvl3pPr>
-      <a:lvl4pPr marL="749808" indent="-182880" algn="l" defTabSz="914400" rtl="0" eaLnBrk="1" latinLnBrk="0" hangingPunct="1">
+      <a:lvl4pPr marL="749935" indent="-182880" algn="l" defTabSz="914400" rtl="0" eaLnBrk="1" latinLnBrk="0" hangingPunct="1">
         <a:lnSpc>
           <a:spcPct val="100000"/>
         </a:lnSpc>
@@ -4091,7 +3805,7 @@
           <a:spcPts val="400"/>
         </a:spcAft>
         <a:buClrTx/>
-        <a:buFont typeface="Calibri" pitchFamily="34" charset="0"/>
+        <a:buFont typeface="Calibri" panose="020F0502020204030204" pitchFamily="34" charset="0"/>
         <a:buChar char="◦"/>
         <a:defRPr sz="1300" kern="1200">
           <a:solidFill>
@@ -4105,7 +3819,7 @@
           <a:cs typeface="Calibri" panose="020F0502020204030204" pitchFamily="34" charset="0"/>
         </a:defRPr>
       </a:lvl4pPr>
-      <a:lvl5pPr marL="932688" indent="-182880" algn="l" defTabSz="914400" rtl="0" eaLnBrk="1" latinLnBrk="0" hangingPunct="1">
+      <a:lvl5pPr marL="932815" indent="-182880" algn="l" defTabSz="914400" rtl="0" eaLnBrk="1" latinLnBrk="0" hangingPunct="1">
         <a:lnSpc>
           <a:spcPct val="100000"/>
         </a:lnSpc>
@@ -4116,7 +3830,7 @@
           <a:spcPts val="400"/>
         </a:spcAft>
         <a:buClrTx/>
-        <a:buFont typeface="Calibri" pitchFamily="34" charset="0"/>
+        <a:buFont typeface="Calibri" panose="020F0502020204030204" pitchFamily="34" charset="0"/>
         <a:buChar char="◦"/>
         <a:defRPr sz="1300" kern="1200">
           <a:solidFill>
@@ -4130,7 +3844,7 @@
           <a:cs typeface="Calibri" panose="020F0502020204030204" pitchFamily="34" charset="0"/>
         </a:defRPr>
       </a:lvl5pPr>
-      <a:lvl6pPr marL="1100000" indent="-228600" algn="l" defTabSz="914400" rtl="0" eaLnBrk="1" latinLnBrk="0" hangingPunct="1">
+      <a:lvl6pPr marL="1099820" indent="-228600" algn="l" defTabSz="914400" rtl="0" eaLnBrk="1" latinLnBrk="0" hangingPunct="1">
         <a:lnSpc>
           <a:spcPct val="90000"/>
         </a:lnSpc>
@@ -4143,7 +3857,7 @@
         <a:buClr>
           <a:schemeClr val="accent1"/>
         </a:buClr>
-        <a:buFont typeface="Calibri" pitchFamily="34" charset="0"/>
+        <a:buFont typeface="Calibri" panose="020F0502020204030204" pitchFamily="34" charset="0"/>
         <a:buChar char="◦"/>
         <a:defRPr sz="1400" kern="1200">
           <a:solidFill>
@@ -4157,7 +3871,7 @@
           <a:cs typeface="+mn-cs"/>
         </a:defRPr>
       </a:lvl6pPr>
-      <a:lvl7pPr marL="1300000" indent="-228600" algn="l" defTabSz="914400" rtl="0" eaLnBrk="1" latinLnBrk="0" hangingPunct="1">
+      <a:lvl7pPr marL="1299845" indent="-228600" algn="l" defTabSz="914400" rtl="0" eaLnBrk="1" latinLnBrk="0" hangingPunct="1">
         <a:lnSpc>
           <a:spcPct val="90000"/>
         </a:lnSpc>
@@ -4170,7 +3884,7 @@
         <a:buClr>
           <a:schemeClr val="accent1"/>
         </a:buClr>
-        <a:buFont typeface="Calibri" pitchFamily="34" charset="0"/>
+        <a:buFont typeface="Calibri" panose="020F0502020204030204" pitchFamily="34" charset="0"/>
         <a:buChar char="◦"/>
         <a:defRPr sz="1400" kern="1200">
           <a:solidFill>
@@ -4184,7 +3898,7 @@
           <a:cs typeface="+mn-cs"/>
         </a:defRPr>
       </a:lvl7pPr>
-      <a:lvl8pPr marL="1500000" indent="-228600" algn="l" defTabSz="914400" rtl="0" eaLnBrk="1" latinLnBrk="0" hangingPunct="1">
+      <a:lvl8pPr marL="1499870" indent="-228600" algn="l" defTabSz="914400" rtl="0" eaLnBrk="1" latinLnBrk="0" hangingPunct="1">
         <a:lnSpc>
           <a:spcPct val="90000"/>
         </a:lnSpc>
@@ -4197,7 +3911,7 @@
         <a:buClr>
           <a:schemeClr val="accent1"/>
         </a:buClr>
-        <a:buFont typeface="Calibri" pitchFamily="34" charset="0"/>
+        <a:buFont typeface="Calibri" panose="020F0502020204030204" pitchFamily="34" charset="0"/>
         <a:buChar char="◦"/>
         <a:defRPr sz="1400" kern="1200">
           <a:solidFill>
@@ -4211,7 +3925,7 @@
           <a:cs typeface="+mn-cs"/>
         </a:defRPr>
       </a:lvl8pPr>
-      <a:lvl9pPr marL="1700000" indent="-228600" algn="l" defTabSz="914400" rtl="0" eaLnBrk="1" latinLnBrk="0" hangingPunct="1">
+      <a:lvl9pPr marL="1699895" indent="-228600" algn="l" defTabSz="914400" rtl="0" eaLnBrk="1" latinLnBrk="0" hangingPunct="1">
         <a:lnSpc>
           <a:spcPct val="90000"/>
         </a:lnSpc>
@@ -4224,7 +3938,7 @@
         <a:buClr>
           <a:schemeClr val="accent1"/>
         </a:buClr>
-        <a:buFont typeface="Calibri" pitchFamily="34" charset="0"/>
+        <a:buFont typeface="Calibri" panose="020F0502020204030204" pitchFamily="34" charset="0"/>
         <a:buChar char="◦"/>
         <a:defRPr sz="1400" kern="1200">
           <a:solidFill>
@@ -4365,26 +4079,11 @@
       </p:grpSpPr>
       <p:sp useBgFill="1">
         <p:nvSpPr>
-          <p:cNvPr id="22" name="Прямоугольник 21">
-            <a:extLst>
-              <a:ext uri="{FF2B5EF4-FFF2-40B4-BE49-F238E27FC236}">
-                <a16:creationId xmlns:a16="http://schemas.microsoft.com/office/drawing/2014/main" id="{A9286AD2-18A9-4868-A4E3-7A2097A20810}"/>
-              </a:ext>
-              <a:ext uri="{C183D7F6-B498-43B3-948B-1728B52AA6E4}">
-                <adec:decorative xmlns:adec="http://schemas.microsoft.com/office/drawing/2017/decorative" val="1"/>
-              </a:ext>
-            </a:extLst>
-          </p:cNvPr>
+          <p:cNvPr id="22" name="Прямоугольник 21"/>
           <p:cNvSpPr>
             <a:spLocks noGrp="1" noRot="1" noChangeAspect="1" noMove="1" noResize="1" noEditPoints="1" noAdjustHandles="1" noChangeArrowheads="1" noChangeShapeType="1" noTextEdit="1"/>
           </p:cNvSpPr>
-          <p:nvPr>
-            <p:extLst>
-              <p:ext uri="{386F3935-93C4-4BCD-93E2-E3B085C9AB24}">
-                <p16:designElem xmlns:p16="http://schemas.microsoft.com/office/powerpoint/2015/main" val="1"/>
-              </p:ext>
-            </p:extLst>
-          </p:nvPr>
+          <p:nvPr/>
         </p:nvSpPr>
         <p:spPr>
           <a:xfrm>
@@ -4425,13 +4124,7 @@
       </p:sp>
       <p:sp>
         <p:nvSpPr>
-          <p:cNvPr id="2" name="Заголовок 1">
-            <a:extLst>
-              <a:ext uri="{FF2B5EF4-FFF2-40B4-BE49-F238E27FC236}">
-                <a16:creationId xmlns:a16="http://schemas.microsoft.com/office/drawing/2014/main" id="{78FD68DA-43BA-4508-8DE2-BA9BB7B2FA5B}"/>
-              </a:ext>
-            </a:extLst>
-          </p:cNvPr>
+          <p:cNvPr id="2" name="Заголовок 1"/>
           <p:cNvSpPr>
             <a:spLocks noGrp="1"/>
           </p:cNvSpPr>
@@ -4455,19 +4148,13 @@
               <a:rPr lang="ru-RU" sz="6600" dirty="0"/>
               <a:t>Тестовая документация</a:t>
             </a:r>
-            <a:endParaRPr lang="ru" sz="6600" dirty="0"/>
-          </a:p>
-        </p:txBody>
-      </p:sp>
-      <p:sp>
-        <p:nvSpPr>
-          <p:cNvPr id="3" name="Подзаголовок 2">
-            <a:extLst>
-              <a:ext uri="{FF2B5EF4-FFF2-40B4-BE49-F238E27FC236}">
-                <a16:creationId xmlns:a16="http://schemas.microsoft.com/office/drawing/2014/main" id="{A8E9CFF2-3777-4FF4-A759-8491175B0B7C}"/>
-              </a:ext>
-            </a:extLst>
-          </p:cNvPr>
+            <a:endParaRPr lang="en-US" sz="6600" dirty="0"/>
+          </a:p>
+        </p:txBody>
+      </p:sp>
+      <p:sp>
+        <p:nvSpPr>
+          <p:cNvPr id="3" name="Подзаголовок 2"/>
           <p:cNvSpPr>
             <a:spLocks noGrp="1"/>
           </p:cNvSpPr>
@@ -4510,25 +4197,27 @@
               </a:rPr>
               <a:t>5</a:t>
             </a:r>
+            <a:endParaRPr lang="ru-RU" sz="2400" dirty="0">
+              <a:solidFill>
+                <a:schemeClr val="tx1">
+                  <a:lumMod val="85000"/>
+                  <a:lumOff val="15000"/>
+                </a:schemeClr>
+              </a:solidFill>
+            </a:endParaRPr>
           </a:p>
         </p:txBody>
       </p:sp>
       <p:pic>
         <p:nvPicPr>
-          <p:cNvPr id="5" name="Рисунок 4" descr="Изображение здания, места для сидения, скамейки, вид сбоку&#10;&#10;Автоматически созданное описание">
-            <a:extLst>
-              <a:ext uri="{FF2B5EF4-FFF2-40B4-BE49-F238E27FC236}">
-                <a16:creationId xmlns:a16="http://schemas.microsoft.com/office/drawing/2014/main" id="{282CF6DD-7FE8-4063-9551-1B7BBCE92ABE}"/>
-              </a:ext>
-            </a:extLst>
-          </p:cNvPr>
+          <p:cNvPr id="5" name="Рисунок 4" descr="Изображение здания, места для сидения, скамейки, вид сбоку&#10;&#10;Автоматически созданное описание"/>
           <p:cNvPicPr>
             <a:picLocks noChangeAspect="1"/>
           </p:cNvPicPr>
           <p:nvPr/>
         </p:nvPicPr>
         <p:blipFill rotWithShape="1">
-          <a:blip r:embed="rId2">
+          <a:blip r:embed="rId1">
             <a:extLst>
               <a:ext uri="{28A0092B-C50C-407E-A947-70E740481C1C}">
                 <a14:useLocalDpi xmlns:a14="http://schemas.microsoft.com/office/drawing/2010/main" val="0"/>
@@ -4536,7 +4225,9 @@
             </a:extLst>
           </a:blip>
           <a:srcRect/>
-          <a:stretch/>
+          <a:stretch>
+            <a:fillRect/>
+          </a:stretch>
         </p:blipFill>
         <p:spPr>
           <a:xfrm>
@@ -4550,26 +4241,11 @@
       </p:pic>
       <p:cxnSp>
         <p:nvCxnSpPr>
-          <p:cNvPr id="24" name="Прямая соединительная линия 23">
-            <a:extLst>
-              <a:ext uri="{FF2B5EF4-FFF2-40B4-BE49-F238E27FC236}">
-                <a16:creationId xmlns:a16="http://schemas.microsoft.com/office/drawing/2014/main" id="{E7A7CD63-7EC3-44F3-95D0-595C4019FF24}"/>
-              </a:ext>
-              <a:ext uri="{C183D7F6-B498-43B3-948B-1728B52AA6E4}">
-                <adec:decorative xmlns:adec="http://schemas.microsoft.com/office/drawing/2017/decorative" val="1"/>
-              </a:ext>
-            </a:extLst>
-          </p:cNvPr>
+          <p:cNvPr id="24" name="Прямая соединительная линия 23"/>
           <p:cNvCxnSpPr>
             <a:cxnSpLocks noGrp="1" noRot="1" noChangeAspect="1" noMove="1" noResize="1" noEditPoints="1" noAdjustHandles="1" noChangeArrowheads="1" noChangeShapeType="1"/>
           </p:cNvCxnSpPr>
-          <p:nvPr>
-            <p:extLst>
-              <p:ext uri="{386F3935-93C4-4BCD-93E2-E3B085C9AB24}">
-                <p16:designElem xmlns:p16="http://schemas.microsoft.com/office/powerpoint/2015/main" val="1"/>
-              </p:ext>
-            </p:extLst>
-          </p:nvPr>
+          <p:nvPr/>
         </p:nvCxnSpPr>
         <p:spPr>
           <a:xfrm>
@@ -4604,11 +4280,6 @@
         </p:style>
       </p:cxnSp>
     </p:spTree>
-    <p:extLst>
-      <p:ext uri="{BB962C8B-B14F-4D97-AF65-F5344CB8AC3E}">
-        <p14:creationId xmlns:p14="http://schemas.microsoft.com/office/powerpoint/2010/main" val="4043737824"/>
-      </p:ext>
-    </p:extLst>
   </p:cSld>
   <p:clrMapOvr>
     <a:masterClrMapping/>
@@ -4635,13 +4306,7 @@
       </p:grpSpPr>
       <p:sp>
         <p:nvSpPr>
-          <p:cNvPr id="2" name="Заголовок 1">
-            <a:extLst>
-              <a:ext uri="{FF2B5EF4-FFF2-40B4-BE49-F238E27FC236}">
-                <a16:creationId xmlns:a16="http://schemas.microsoft.com/office/drawing/2014/main" id="{3DAC6C93-E84A-4476-83E2-139770367458}"/>
-              </a:ext>
-            </a:extLst>
-          </p:cNvPr>
+          <p:cNvPr id="2" name="Заголовок 1"/>
           <p:cNvSpPr>
             <a:spLocks noGrp="1"/>
           </p:cNvSpPr>
@@ -4658,19 +4323,13 @@
               <a:rPr lang="en-US" dirty="0"/>
               <a:t>Requirements Traceability Matrix</a:t>
             </a:r>
-            <a:endParaRPr lang="ru-BY" dirty="0"/>
-          </a:p>
-        </p:txBody>
-      </p:sp>
-      <p:sp>
-        <p:nvSpPr>
-          <p:cNvPr id="3" name="Объект 2">
-            <a:extLst>
-              <a:ext uri="{FF2B5EF4-FFF2-40B4-BE49-F238E27FC236}">
-                <a16:creationId xmlns:a16="http://schemas.microsoft.com/office/drawing/2014/main" id="{E0CC6154-DFC7-44A7-9A6A-8FEA292FBA38}"/>
-              </a:ext>
-            </a:extLst>
-          </p:cNvPr>
+            <a:endParaRPr lang="en-US" dirty="0"/>
+          </a:p>
+        </p:txBody>
+      </p:sp>
+      <p:sp>
+        <p:nvSpPr>
+          <p:cNvPr id="3" name="Объект 2"/>
           <p:cNvSpPr>
             <a:spLocks noGrp="1"/>
           </p:cNvSpPr>
@@ -4844,6 +4503,13 @@
               </a:rPr>
               <a:t>). В заголовках колонок таблицы расположены требования, а в заголовках строк - тестовые сценарии. На пересечении - отметка, означающая, что требование текущей колонки покрыто тестовым сценарием текущей строки. </a:t>
             </a:r>
+            <a:endParaRPr lang="ru-RU" sz="1800" b="0" i="0" u="none" strike="noStrike" dirty="0">
+              <a:solidFill>
+                <a:srgbClr val="000000"/>
+              </a:solidFill>
+              <a:effectLst/>
+              <a:latin typeface="Arial" panose="020B0604020202020204" pitchFamily="34" charset="0"/>
+            </a:endParaRPr>
           </a:p>
           <a:p>
             <a:pPr marR="117475" rtl="0">
@@ -4891,13 +4557,7 @@
       </p:sp>
       <p:sp>
         <p:nvSpPr>
-          <p:cNvPr id="4" name="Дата 3">
-            <a:extLst>
-              <a:ext uri="{FF2B5EF4-FFF2-40B4-BE49-F238E27FC236}">
-                <a16:creationId xmlns:a16="http://schemas.microsoft.com/office/drawing/2014/main" id="{ECE92AEF-AE92-466E-AF4F-D91C2EBBE1C2}"/>
-              </a:ext>
-            </a:extLst>
-          </p:cNvPr>
+          <p:cNvPr id="4" name="Дата 3"/>
           <p:cNvSpPr>
             <a:spLocks noGrp="1"/>
           </p:cNvSpPr>
@@ -4913,18 +4573,12 @@
             <a:pPr rtl="0"/>
             <a:fld id="{BE289488-0C23-4DC8-A9FA-240659547385}" type="datetime1">
               <a:rPr lang="ru-RU" smtClean="0"/>
-              <a:t>26.04.2022</a:t>
             </a:fld>
             <a:endParaRPr lang="en-US" dirty="0"/>
           </a:p>
         </p:txBody>
       </p:sp>
     </p:spTree>
-    <p:extLst>
-      <p:ext uri="{BB962C8B-B14F-4D97-AF65-F5344CB8AC3E}">
-        <p14:creationId xmlns:p14="http://schemas.microsoft.com/office/powerpoint/2010/main" val="4118970150"/>
-      </p:ext>
-    </p:extLst>
   </p:cSld>
   <p:clrMapOvr>
     <a:masterClrMapping/>
@@ -4951,13 +4605,7 @@
       </p:grpSpPr>
       <p:sp>
         <p:nvSpPr>
-          <p:cNvPr id="2" name="Заголовок 1">
-            <a:extLst>
-              <a:ext uri="{FF2B5EF4-FFF2-40B4-BE49-F238E27FC236}">
-                <a16:creationId xmlns:a16="http://schemas.microsoft.com/office/drawing/2014/main" id="{95838D3D-B448-4626-839C-F51A822C6E0A}"/>
-              </a:ext>
-            </a:extLst>
-          </p:cNvPr>
+          <p:cNvPr id="2" name="Заголовок 1"/>
           <p:cNvSpPr>
             <a:spLocks noGrp="1"/>
           </p:cNvSpPr>
@@ -4974,19 +4622,13 @@
               <a:rPr lang="ru-RU" dirty="0"/>
               <a:t>Примеры входных данных</a:t>
             </a:r>
-            <a:endParaRPr lang="ru-BY" dirty="0"/>
-          </a:p>
-        </p:txBody>
-      </p:sp>
-      <p:sp>
-        <p:nvSpPr>
-          <p:cNvPr id="3" name="Объект 2">
-            <a:extLst>
-              <a:ext uri="{FF2B5EF4-FFF2-40B4-BE49-F238E27FC236}">
-                <a16:creationId xmlns:a16="http://schemas.microsoft.com/office/drawing/2014/main" id="{A751F976-4705-42DA-96F4-ADF2C560F1DC}"/>
-              </a:ext>
-            </a:extLst>
-          </p:cNvPr>
+            <a:endParaRPr lang="en-US" dirty="0"/>
+          </a:p>
+        </p:txBody>
+      </p:sp>
+      <p:sp>
+        <p:nvSpPr>
+          <p:cNvPr id="3" name="Объект 2"/>
           <p:cNvSpPr>
             <a:spLocks noGrp="1"/>
           </p:cNvSpPr>
@@ -5056,13 +4698,7 @@
       </p:sp>
       <p:sp>
         <p:nvSpPr>
-          <p:cNvPr id="4" name="Дата 3">
-            <a:extLst>
-              <a:ext uri="{FF2B5EF4-FFF2-40B4-BE49-F238E27FC236}">
-                <a16:creationId xmlns:a16="http://schemas.microsoft.com/office/drawing/2014/main" id="{57A92F9C-00DA-4ECB-8B5F-1FC942A6AC4E}"/>
-              </a:ext>
-            </a:extLst>
-          </p:cNvPr>
+          <p:cNvPr id="4" name="Дата 3"/>
           <p:cNvSpPr>
             <a:spLocks noGrp="1"/>
           </p:cNvSpPr>
@@ -5078,18 +4714,12 @@
             <a:pPr rtl="0"/>
             <a:fld id="{BE289488-0C23-4DC8-A9FA-240659547385}" type="datetime1">
               <a:rPr lang="ru-RU" smtClean="0"/>
-              <a:t>26.04.2022</a:t>
             </a:fld>
             <a:endParaRPr lang="en-US" dirty="0"/>
           </a:p>
         </p:txBody>
       </p:sp>
     </p:spTree>
-    <p:extLst>
-      <p:ext uri="{BB962C8B-B14F-4D97-AF65-F5344CB8AC3E}">
-        <p14:creationId xmlns:p14="http://schemas.microsoft.com/office/powerpoint/2010/main" val="2530956137"/>
-      </p:ext>
-    </p:extLst>
   </p:cSld>
   <p:clrMapOvr>
     <a:masterClrMapping/>
@@ -5116,13 +4746,7 @@
       </p:grpSpPr>
       <p:sp>
         <p:nvSpPr>
-          <p:cNvPr id="2" name="Заголовок 1">
-            <a:extLst>
-              <a:ext uri="{FF2B5EF4-FFF2-40B4-BE49-F238E27FC236}">
-                <a16:creationId xmlns:a16="http://schemas.microsoft.com/office/drawing/2014/main" id="{EC62CC16-DA0D-4AD7-982D-AD0973B182C9}"/>
-              </a:ext>
-            </a:extLst>
-          </p:cNvPr>
+          <p:cNvPr id="2" name="Заголовок 1"/>
           <p:cNvSpPr>
             <a:spLocks noGrp="1"/>
           </p:cNvSpPr>
@@ -5139,19 +4763,13 @@
               <a:rPr lang="ru-RU" dirty="0"/>
               <a:t>Тест-план</a:t>
             </a:r>
-            <a:endParaRPr lang="ru-BY" dirty="0"/>
-          </a:p>
-        </p:txBody>
-      </p:sp>
-      <p:sp>
-        <p:nvSpPr>
-          <p:cNvPr id="3" name="Объект 2">
-            <a:extLst>
-              <a:ext uri="{FF2B5EF4-FFF2-40B4-BE49-F238E27FC236}">
-                <a16:creationId xmlns:a16="http://schemas.microsoft.com/office/drawing/2014/main" id="{DC2B89CF-C834-4F8F-91EF-F5E8B8ABEEEA}"/>
-              </a:ext>
-            </a:extLst>
-          </p:cNvPr>
+            <a:endParaRPr lang="en-US" dirty="0"/>
+          </a:p>
+        </p:txBody>
+      </p:sp>
+      <p:sp>
+        <p:nvSpPr>
+          <p:cNvPr id="3" name="Объект 2"/>
           <p:cNvSpPr>
             <a:spLocks noGrp="1"/>
           </p:cNvSpPr>
@@ -5332,6 +4950,13 @@
               </a:rPr>
               <a:t>(список функций и компонент тестируемой системы) </a:t>
             </a:r>
+            <a:endParaRPr lang="ru-RU" sz="1100" b="0" i="0" u="none" strike="noStrike" dirty="0">
+              <a:solidFill>
+                <a:srgbClr val="000000"/>
+              </a:solidFill>
+              <a:effectLst/>
+              <a:latin typeface="Arial" panose="020B0604020202020204" pitchFamily="34" charset="0"/>
+            </a:endParaRPr>
           </a:p>
           <a:p>
             <a:pPr marR="117475" rtl="0" fontAlgn="base">
@@ -5375,6 +5000,13 @@
               </a:rPr>
               <a:t> (стратегия тестирования – виды тестирования и их применение по отношению к тестируемому объекту) </a:t>
             </a:r>
+            <a:endParaRPr lang="ru-RU" sz="1100" b="0" i="0" u="none" strike="noStrike" dirty="0">
+              <a:solidFill>
+                <a:srgbClr val="000000"/>
+              </a:solidFill>
+              <a:effectLst/>
+              <a:latin typeface="Arial" panose="020B0604020202020204" pitchFamily="34" charset="0"/>
+            </a:endParaRPr>
           </a:p>
           <a:p>
             <a:pPr marR="117475" rtl="0" fontAlgn="base">
@@ -5418,6 +5050,13 @@
               </a:rPr>
               <a:t>, на которых необходимо проверять программный продукт </a:t>
             </a:r>
+            <a:endParaRPr lang="ru-RU" sz="1100" b="0" i="0" u="none" strike="noStrike" dirty="0">
+              <a:solidFill>
+                <a:srgbClr val="000000"/>
+              </a:solidFill>
+              <a:effectLst/>
+              <a:latin typeface="Arial" panose="020B0604020202020204" pitchFamily="34" charset="0"/>
+            </a:endParaRPr>
           </a:p>
           <a:p>
             <a:pPr marR="117475" rtl="0" fontAlgn="base">
@@ -5461,18 +5100,19 @@
               </a:rPr>
               <a:t> (последовательность проведения работ)</a:t>
             </a:r>
-          </a:p>
-        </p:txBody>
-      </p:sp>
-      <p:sp>
-        <p:nvSpPr>
-          <p:cNvPr id="4" name="Дата 3">
-            <a:extLst>
-              <a:ext uri="{FF2B5EF4-FFF2-40B4-BE49-F238E27FC236}">
-                <a16:creationId xmlns:a16="http://schemas.microsoft.com/office/drawing/2014/main" id="{9023DFA6-2ACD-401F-BBC4-03D30D8F472A}"/>
-              </a:ext>
-            </a:extLst>
-          </p:cNvPr>
+            <a:endParaRPr lang="ru-RU" sz="1100" b="0" i="0" u="none" strike="noStrike" dirty="0">
+              <a:solidFill>
+                <a:srgbClr val="000000"/>
+              </a:solidFill>
+              <a:effectLst/>
+              <a:latin typeface="Arial" panose="020B0604020202020204" pitchFamily="34" charset="0"/>
+            </a:endParaRPr>
+          </a:p>
+        </p:txBody>
+      </p:sp>
+      <p:sp>
+        <p:nvSpPr>
+          <p:cNvPr id="4" name="Дата 3"/>
           <p:cNvSpPr>
             <a:spLocks noGrp="1"/>
           </p:cNvSpPr>
@@ -5488,18 +5128,12 @@
             <a:pPr rtl="0"/>
             <a:fld id="{BE289488-0C23-4DC8-A9FA-240659547385}" type="datetime1">
               <a:rPr lang="ru-RU" smtClean="0"/>
-              <a:t>26.04.2022</a:t>
             </a:fld>
             <a:endParaRPr lang="en-US" dirty="0"/>
           </a:p>
         </p:txBody>
       </p:sp>
     </p:spTree>
-    <p:extLst>
-      <p:ext uri="{BB962C8B-B14F-4D97-AF65-F5344CB8AC3E}">
-        <p14:creationId xmlns:p14="http://schemas.microsoft.com/office/powerpoint/2010/main" val="192249418"/>
-      </p:ext>
-    </p:extLst>
   </p:cSld>
   <p:clrMapOvr>
     <a:masterClrMapping/>
@@ -5526,13 +5160,7 @@
       </p:grpSpPr>
       <p:sp>
         <p:nvSpPr>
-          <p:cNvPr id="2" name="Заголовок 1">
-            <a:extLst>
-              <a:ext uri="{FF2B5EF4-FFF2-40B4-BE49-F238E27FC236}">
-                <a16:creationId xmlns:a16="http://schemas.microsoft.com/office/drawing/2014/main" id="{27290A37-9993-40AA-A2A1-ED82B02C83BD}"/>
-              </a:ext>
-            </a:extLst>
-          </p:cNvPr>
+          <p:cNvPr id="2" name="Заголовок 1"/>
           <p:cNvSpPr>
             <a:spLocks noGrp="1"/>
           </p:cNvSpPr>
@@ -5549,19 +5177,13 @@
               <a:rPr lang="ru-RU" dirty="0"/>
               <a:t>Стратегия тестирования</a:t>
             </a:r>
-            <a:endParaRPr lang="ru-BY" dirty="0"/>
-          </a:p>
-        </p:txBody>
-      </p:sp>
-      <p:sp>
-        <p:nvSpPr>
-          <p:cNvPr id="3" name="Объект 2">
-            <a:extLst>
-              <a:ext uri="{FF2B5EF4-FFF2-40B4-BE49-F238E27FC236}">
-                <a16:creationId xmlns:a16="http://schemas.microsoft.com/office/drawing/2014/main" id="{56DEB0D9-8691-44B8-96E1-932FEFC0106C}"/>
-              </a:ext>
-            </a:extLst>
-          </p:cNvPr>
+            <a:endParaRPr lang="en-US" dirty="0"/>
+          </a:p>
+        </p:txBody>
+      </p:sp>
+      <p:sp>
+        <p:nvSpPr>
+          <p:cNvPr id="3" name="Объект 2"/>
           <p:cNvSpPr>
             <a:spLocks noGrp="1"/>
           </p:cNvSpPr>
@@ -5666,6 +5288,13 @@
               </a:rPr>
               <a:t>итерации, на которых используются стратегия тестирования и цели тестирования на каждой итерации; </a:t>
             </a:r>
+            <a:endParaRPr lang="ru-RU" sz="1800" b="0" i="0" u="none" strike="noStrike" dirty="0">
+              <a:solidFill>
+                <a:srgbClr val="000000"/>
+              </a:solidFill>
+              <a:effectLst/>
+              <a:latin typeface="Arial" panose="020B0604020202020204" pitchFamily="34" charset="0"/>
+            </a:endParaRPr>
           </a:p>
           <a:p>
             <a:pPr marR="117475" rtl="0" fontAlgn="base">
@@ -5688,6 +5317,13 @@
               </a:rPr>
               <a:t>стадии тестирования для каждой итерации; </a:t>
             </a:r>
+            <a:endParaRPr lang="ru-RU" sz="1800" b="0" i="0" u="none" strike="noStrike" dirty="0">
+              <a:solidFill>
+                <a:srgbClr val="000000"/>
+              </a:solidFill>
+              <a:effectLst/>
+              <a:latin typeface="Arial" panose="020B0604020202020204" pitchFamily="34" charset="0"/>
+            </a:endParaRPr>
           </a:p>
           <a:p>
             <a:pPr marR="117475" rtl="0" fontAlgn="base">
@@ -5710,6 +5346,13 @@
               </a:rPr>
               <a:t>критерий успешного завершения тестирования; </a:t>
             </a:r>
+            <a:endParaRPr lang="ru-RU" sz="1800" b="0" i="0" u="none" strike="noStrike" dirty="0">
+              <a:solidFill>
+                <a:srgbClr val="000000"/>
+              </a:solidFill>
+              <a:effectLst/>
+              <a:latin typeface="Arial" panose="020B0604020202020204" pitchFamily="34" charset="0"/>
+            </a:endParaRPr>
           </a:p>
           <a:p>
             <a:pPr marR="117475" rtl="0" fontAlgn="base">
@@ -5732,6 +5375,13 @@
               </a:rPr>
               <a:t>типы используемых тестов; </a:t>
             </a:r>
+            <a:endParaRPr lang="ru-RU" sz="1800" b="0" i="0" u="none" strike="noStrike" dirty="0">
+              <a:solidFill>
+                <a:srgbClr val="000000"/>
+              </a:solidFill>
+              <a:effectLst/>
+              <a:latin typeface="Arial" panose="020B0604020202020204" pitchFamily="34" charset="0"/>
+            </a:endParaRPr>
           </a:p>
           <a:p>
             <a:pPr marR="117475" rtl="0" fontAlgn="base">
@@ -5754,6 +5404,13 @@
               </a:rPr>
               <a:t>набор методов и инструментальных средств, необходимых для проведения тестирования и оценки качества; </a:t>
             </a:r>
+            <a:endParaRPr lang="ru-RU" sz="1800" b="0" i="0" u="none" strike="noStrike" dirty="0">
+              <a:solidFill>
+                <a:srgbClr val="000000"/>
+              </a:solidFill>
+              <a:effectLst/>
+              <a:latin typeface="Arial" panose="020B0604020202020204" pitchFamily="34" charset="0"/>
+            </a:endParaRPr>
           </a:p>
           <a:p>
             <a:pPr marR="117475" rtl="0" fontAlgn="base">
@@ -5776,6 +5433,13 @@
               </a:rPr>
               <a:t>критерии оценки тестов. </a:t>
             </a:r>
+            <a:endParaRPr lang="ru-RU" sz="1800" b="0" i="0" u="none" strike="noStrike" dirty="0">
+              <a:solidFill>
+                <a:srgbClr val="000000"/>
+              </a:solidFill>
+              <a:effectLst/>
+              <a:latin typeface="Arial" panose="020B0604020202020204" pitchFamily="34" charset="0"/>
+            </a:endParaRPr>
           </a:p>
           <a:p>
             <a:pPr marR="117475" rtl="0">
@@ -5804,13 +5468,7 @@
       </p:sp>
       <p:sp>
         <p:nvSpPr>
-          <p:cNvPr id="4" name="Дата 3">
-            <a:extLst>
-              <a:ext uri="{FF2B5EF4-FFF2-40B4-BE49-F238E27FC236}">
-                <a16:creationId xmlns:a16="http://schemas.microsoft.com/office/drawing/2014/main" id="{5EFF1A7D-4C48-46ED-904F-5CFD7A3302FC}"/>
-              </a:ext>
-            </a:extLst>
-          </p:cNvPr>
+          <p:cNvPr id="4" name="Дата 3"/>
           <p:cNvSpPr>
             <a:spLocks noGrp="1"/>
           </p:cNvSpPr>
@@ -5826,18 +5484,12 @@
             <a:pPr rtl="0"/>
             <a:fld id="{BE289488-0C23-4DC8-A9FA-240659547385}" type="datetime1">
               <a:rPr lang="ru-RU" smtClean="0"/>
-              <a:t>26.04.2022</a:t>
             </a:fld>
             <a:endParaRPr lang="en-US" dirty="0"/>
           </a:p>
         </p:txBody>
       </p:sp>
     </p:spTree>
-    <p:extLst>
-      <p:ext uri="{BB962C8B-B14F-4D97-AF65-F5344CB8AC3E}">
-        <p14:creationId xmlns:p14="http://schemas.microsoft.com/office/powerpoint/2010/main" val="2433390286"/>
-      </p:ext>
-    </p:extLst>
   </p:cSld>
   <p:clrMapOvr>
     <a:masterClrMapping/>
@@ -5864,13 +5516,7 @@
       </p:grpSpPr>
       <p:sp>
         <p:nvSpPr>
-          <p:cNvPr id="2" name="Заголовок 1">
-            <a:extLst>
-              <a:ext uri="{FF2B5EF4-FFF2-40B4-BE49-F238E27FC236}">
-                <a16:creationId xmlns:a16="http://schemas.microsoft.com/office/drawing/2014/main" id="{AF964CDE-0126-4FB8-A5A9-932560A877BA}"/>
-              </a:ext>
-            </a:extLst>
-          </p:cNvPr>
+          <p:cNvPr id="2" name="Заголовок 1"/>
           <p:cNvSpPr>
             <a:spLocks noGrp="1"/>
           </p:cNvSpPr>
@@ -5887,19 +5533,13 @@
               <a:rPr lang="ru-RU" dirty="0"/>
               <a:t>Чек-лист</a:t>
             </a:r>
-            <a:endParaRPr lang="ru-BY" dirty="0"/>
-          </a:p>
-        </p:txBody>
-      </p:sp>
-      <p:sp>
-        <p:nvSpPr>
-          <p:cNvPr id="3" name="Объект 2">
-            <a:extLst>
-              <a:ext uri="{FF2B5EF4-FFF2-40B4-BE49-F238E27FC236}">
-                <a16:creationId xmlns:a16="http://schemas.microsoft.com/office/drawing/2014/main" id="{938D9EDB-E9D9-415B-B4C8-93E0FE9E1E63}"/>
-              </a:ext>
-            </a:extLst>
-          </p:cNvPr>
+            <a:endParaRPr lang="en-US" dirty="0"/>
+          </a:p>
+        </p:txBody>
+      </p:sp>
+      <p:sp>
+        <p:nvSpPr>
+          <p:cNvPr id="3" name="Объект 2"/>
           <p:cNvSpPr>
             <a:spLocks noGrp="1"/>
           </p:cNvSpPr>
@@ -5943,6 +5583,13 @@
               </a:rPr>
               <a:t> - один из фундаментальных инструментов тестирования. Они позволяют не забывать о важных тестах, фиксировать результаты своей работы и отслеживать статистику о статусе программного продукта. Иногда чек-листами называют подробные инструкции о тестируемом продукте, содержащие последовательность действий, множество деталей и т.д. </a:t>
             </a:r>
+            <a:endParaRPr lang="ru-RU" sz="1800" b="0" i="0" u="none" strike="noStrike" dirty="0">
+              <a:solidFill>
+                <a:srgbClr val="000000"/>
+              </a:solidFill>
+              <a:effectLst/>
+              <a:latin typeface="Arial" panose="020B0604020202020204" pitchFamily="34" charset="0"/>
+            </a:endParaRPr>
           </a:p>
           <a:p>
             <a:r>
@@ -6017,7 +5664,7 @@
               </a:rPr>
               <a:t>их, расширяя тестовый набор своей экспертизой.  </a:t>
             </a:r>
-            <a:endParaRPr lang="ru-BY" dirty="0">
+            <a:endParaRPr lang="en-US" dirty="0">
               <a:solidFill>
                 <a:srgbClr val="FF0000"/>
               </a:solidFill>
@@ -6027,13 +5674,7 @@
       </p:sp>
       <p:sp>
         <p:nvSpPr>
-          <p:cNvPr id="4" name="Дата 3">
-            <a:extLst>
-              <a:ext uri="{FF2B5EF4-FFF2-40B4-BE49-F238E27FC236}">
-                <a16:creationId xmlns:a16="http://schemas.microsoft.com/office/drawing/2014/main" id="{16021B67-E5EA-4F68-8C26-B5176BC9E753}"/>
-              </a:ext>
-            </a:extLst>
-          </p:cNvPr>
+          <p:cNvPr id="4" name="Дата 3"/>
           <p:cNvSpPr>
             <a:spLocks noGrp="1"/>
           </p:cNvSpPr>
@@ -6049,18 +5690,12 @@
             <a:pPr rtl="0"/>
             <a:fld id="{BE289488-0C23-4DC8-A9FA-240659547385}" type="datetime1">
               <a:rPr lang="ru-RU" smtClean="0"/>
-              <a:t>26.04.2022</a:t>
             </a:fld>
             <a:endParaRPr lang="en-US" dirty="0"/>
           </a:p>
         </p:txBody>
       </p:sp>
     </p:spTree>
-    <p:extLst>
-      <p:ext uri="{BB962C8B-B14F-4D97-AF65-F5344CB8AC3E}">
-        <p14:creationId xmlns:p14="http://schemas.microsoft.com/office/powerpoint/2010/main" val="2475540491"/>
-      </p:ext>
-    </p:extLst>
   </p:cSld>
   <p:clrMapOvr>
     <a:masterClrMapping/>
@@ -6087,13 +5722,7 @@
       </p:grpSpPr>
       <p:sp>
         <p:nvSpPr>
-          <p:cNvPr id="2" name="Заголовок 1">
-            <a:extLst>
-              <a:ext uri="{FF2B5EF4-FFF2-40B4-BE49-F238E27FC236}">
-                <a16:creationId xmlns:a16="http://schemas.microsoft.com/office/drawing/2014/main" id="{C64BAC76-E3F0-4765-BD9E-41ED442B8E35}"/>
-              </a:ext>
-            </a:extLst>
-          </p:cNvPr>
+          <p:cNvPr id="2" name="Заголовок 1"/>
           <p:cNvSpPr>
             <a:spLocks noGrp="1"/>
           </p:cNvSpPr>
@@ -6110,19 +5739,13 @@
               <a:rPr lang="ru-RU" dirty="0"/>
               <a:t>Преимущества чек-листов</a:t>
             </a:r>
-            <a:endParaRPr lang="ru-BY" dirty="0"/>
-          </a:p>
-        </p:txBody>
-      </p:sp>
-      <p:sp>
-        <p:nvSpPr>
-          <p:cNvPr id="3" name="Объект 2">
-            <a:extLst>
-              <a:ext uri="{FF2B5EF4-FFF2-40B4-BE49-F238E27FC236}">
-                <a16:creationId xmlns:a16="http://schemas.microsoft.com/office/drawing/2014/main" id="{32A66C78-0996-4DB6-AF62-E627A18967DD}"/>
-              </a:ext>
-            </a:extLst>
-          </p:cNvPr>
+            <a:endParaRPr lang="en-US" dirty="0"/>
+          </a:p>
+        </p:txBody>
+      </p:sp>
+      <p:sp>
+        <p:nvSpPr>
+          <p:cNvPr id="3" name="Объект 2"/>
           <p:cNvSpPr>
             <a:spLocks noGrp="1"/>
           </p:cNvSpPr>
@@ -6157,6 +5780,13 @@
               </a:rPr>
               <a:t>нивелирование “эффекта пестицида” в регрессионном тестировании</a:t>
             </a:r>
+            <a:endParaRPr lang="ru-RU" sz="1800" b="0" i="0" u="none" strike="noStrike" dirty="0">
+              <a:solidFill>
+                <a:srgbClr val="000000"/>
+              </a:solidFill>
+              <a:effectLst/>
+              <a:latin typeface="Arial" panose="020B0604020202020204" pitchFamily="34" charset="0"/>
+            </a:endParaRPr>
           </a:p>
           <a:p>
             <a:pPr marR="117475" rtl="0" fontAlgn="base">
@@ -6204,6 +5834,13 @@
               </a:rPr>
               <a:t>сокращение затрат на содержание и поддержку тестов: не надо писать много буковок! </a:t>
             </a:r>
+            <a:endParaRPr lang="ru-RU" sz="1800" b="0" i="0" u="none" strike="noStrike" dirty="0">
+              <a:solidFill>
+                <a:srgbClr val="000000"/>
+              </a:solidFill>
+              <a:effectLst/>
+              <a:latin typeface="Arial" panose="020B0604020202020204" pitchFamily="34" charset="0"/>
+            </a:endParaRPr>
           </a:p>
           <a:p>
             <a:pPr marR="117475" rtl="0" fontAlgn="base">
@@ -6226,6 +5863,13 @@
               </a:rPr>
               <a:t>отсутствие рутины, которую так не любят квалифицированные тестировщики </a:t>
             </a:r>
+            <a:endParaRPr lang="ru-RU" sz="1800" b="0" i="0" u="none" strike="noStrike" dirty="0">
+              <a:solidFill>
+                <a:srgbClr val="000000"/>
+              </a:solidFill>
+              <a:effectLst/>
+              <a:latin typeface="Arial" panose="020B0604020202020204" pitchFamily="34" charset="0"/>
+            </a:endParaRPr>
           </a:p>
           <a:p>
             <a:pPr marR="117475" rtl="0" fontAlgn="base">
@@ -6248,6 +5892,13 @@
               </a:rPr>
               <a:t>возможность проходить и комбинировать тесты по-разному, в зависимости от предпочтений сотрудников </a:t>
             </a:r>
+            <a:endParaRPr lang="ru-RU" sz="1800" b="0" i="0" u="none" strike="noStrike" dirty="0">
+              <a:solidFill>
+                <a:srgbClr val="000000"/>
+              </a:solidFill>
+              <a:effectLst/>
+              <a:latin typeface="Arial" panose="020B0604020202020204" pitchFamily="34" charset="0"/>
+            </a:endParaRPr>
           </a:p>
           <a:p>
             <a:pPr marR="117475" rtl="0" fontAlgn="base">
@@ -6270,6 +5921,13 @@
               </a:rPr>
               <a:t>статистика: кто, когда, что проходил (с детализацией по сборке продукта и окружению, на котором проводилось тестирование) </a:t>
             </a:r>
+            <a:endParaRPr lang="ru-RU" sz="1800" b="0" i="0" u="none" strike="noStrike" dirty="0">
+              <a:solidFill>
+                <a:srgbClr val="000000"/>
+              </a:solidFill>
+              <a:effectLst/>
+              <a:latin typeface="Arial" panose="020B0604020202020204" pitchFamily="34" charset="0"/>
+            </a:endParaRPr>
           </a:p>
           <a:p>
             <a:pPr marR="117475" rtl="0" fontAlgn="base">
@@ -6292,6 +5950,13 @@
               </a:rPr>
               <a:t>памятка, которая помогает не забыть важные тесты  </a:t>
             </a:r>
+            <a:endParaRPr lang="ru-RU" sz="1800" b="0" i="0" u="none" strike="noStrike" dirty="0">
+              <a:solidFill>
+                <a:srgbClr val="000000"/>
+              </a:solidFill>
+              <a:effectLst/>
+              <a:latin typeface="Arial" panose="020B0604020202020204" pitchFamily="34" charset="0"/>
+            </a:endParaRPr>
           </a:p>
           <a:p>
             <a:pPr marR="117475" rtl="0" fontAlgn="base">
@@ -6314,6 +5979,13 @@
               </a:rPr>
               <a:t>возможность оценить состояние продукта, его готовность к выпуску </a:t>
             </a:r>
+            <a:endParaRPr lang="ru-RU" sz="1800" b="0" i="0" u="none" strike="noStrike" dirty="0">
+              <a:solidFill>
+                <a:srgbClr val="000000"/>
+              </a:solidFill>
+              <a:effectLst/>
+              <a:latin typeface="Arial" panose="020B0604020202020204" pitchFamily="34" charset="0"/>
+            </a:endParaRPr>
           </a:p>
           <a:p>
             <a:pPr marR="117475" rtl="0" fontAlgn="base">
@@ -6335,19 +6007,13 @@
             </a:endParaRPr>
           </a:p>
           <a:p>
-            <a:endParaRPr lang="ru-BY" dirty="0"/>
-          </a:p>
-        </p:txBody>
-      </p:sp>
-      <p:sp>
-        <p:nvSpPr>
-          <p:cNvPr id="4" name="Дата 3">
-            <a:extLst>
-              <a:ext uri="{FF2B5EF4-FFF2-40B4-BE49-F238E27FC236}">
-                <a16:creationId xmlns:a16="http://schemas.microsoft.com/office/drawing/2014/main" id="{7BA88925-8422-45AF-BD5E-B33C10D77A09}"/>
-              </a:ext>
-            </a:extLst>
-          </p:cNvPr>
+            <a:endParaRPr lang="en-US" dirty="0"/>
+          </a:p>
+        </p:txBody>
+      </p:sp>
+      <p:sp>
+        <p:nvSpPr>
+          <p:cNvPr id="4" name="Дата 3"/>
           <p:cNvSpPr>
             <a:spLocks noGrp="1"/>
           </p:cNvSpPr>
@@ -6363,18 +6029,12 @@
             <a:pPr rtl="0"/>
             <a:fld id="{BE289488-0C23-4DC8-A9FA-240659547385}" type="datetime1">
               <a:rPr lang="ru-RU" smtClean="0"/>
-              <a:t>26.04.2022</a:t>
             </a:fld>
             <a:endParaRPr lang="en-US" dirty="0"/>
           </a:p>
         </p:txBody>
       </p:sp>
     </p:spTree>
-    <p:extLst>
-      <p:ext uri="{BB962C8B-B14F-4D97-AF65-F5344CB8AC3E}">
-        <p14:creationId xmlns:p14="http://schemas.microsoft.com/office/powerpoint/2010/main" val="2760846055"/>
-      </p:ext>
-    </p:extLst>
   </p:cSld>
   <p:clrMapOvr>
     <a:masterClrMapping/>
@@ -6401,13 +6061,7 @@
       </p:grpSpPr>
       <p:sp>
         <p:nvSpPr>
-          <p:cNvPr id="2" name="Заголовок 1">
-            <a:extLst>
-              <a:ext uri="{FF2B5EF4-FFF2-40B4-BE49-F238E27FC236}">
-                <a16:creationId xmlns:a16="http://schemas.microsoft.com/office/drawing/2014/main" id="{F48ED4A2-0C27-458E-B5A3-107D039810D0}"/>
-              </a:ext>
-            </a:extLst>
-          </p:cNvPr>
+          <p:cNvPr id="2" name="Заголовок 1"/>
           <p:cNvSpPr>
             <a:spLocks noGrp="1"/>
           </p:cNvSpPr>
@@ -6424,19 +6078,13 @@
               <a:rPr lang="ru-RU" dirty="0"/>
               <a:t>Минусы чек-листов</a:t>
             </a:r>
-            <a:endParaRPr lang="ru-BY" dirty="0"/>
-          </a:p>
-        </p:txBody>
-      </p:sp>
-      <p:sp>
-        <p:nvSpPr>
-          <p:cNvPr id="3" name="Объект 2">
-            <a:extLst>
-              <a:ext uri="{FF2B5EF4-FFF2-40B4-BE49-F238E27FC236}">
-                <a16:creationId xmlns:a16="http://schemas.microsoft.com/office/drawing/2014/main" id="{FA1D8AB1-666A-464B-838C-8E4BB61C10FB}"/>
-              </a:ext>
-            </a:extLst>
-          </p:cNvPr>
+            <a:endParaRPr lang="en-US" dirty="0"/>
+          </a:p>
+        </p:txBody>
+      </p:sp>
+      <p:sp>
+        <p:nvSpPr>
+          <p:cNvPr id="3" name="Объект 2"/>
           <p:cNvSpPr>
             <a:spLocks noGrp="1"/>
           </p:cNvSpPr>
@@ -6469,6 +6117,13 @@
               </a:rPr>
               <a:t>начинающие тестировщики не всегда эффективно проводят тесты без достаточно подробной документации </a:t>
             </a:r>
+            <a:endParaRPr lang="ru-RU" sz="1800" b="0" i="0" u="none" strike="noStrike" dirty="0">
+              <a:solidFill>
+                <a:srgbClr val="000000"/>
+              </a:solidFill>
+              <a:effectLst/>
+              <a:latin typeface="Arial" panose="020B0604020202020204" pitchFamily="34" charset="0"/>
+            </a:endParaRPr>
           </a:p>
           <a:p>
             <a:pPr marR="117475" rtl="0" fontAlgn="base">
@@ -6491,6 +6146,13 @@
               </a:rPr>
               <a:t>чек-листы невозможно использовать для обучения начинающих сотрудников, так как в них недостаточно подробной информации </a:t>
             </a:r>
+            <a:endParaRPr lang="ru-RU" sz="1800" b="0" i="0" u="none" strike="noStrike" dirty="0">
+              <a:solidFill>
+                <a:srgbClr val="000000"/>
+              </a:solidFill>
+              <a:effectLst/>
+              <a:latin typeface="Arial" panose="020B0604020202020204" pitchFamily="34" charset="0"/>
+            </a:endParaRPr>
           </a:p>
           <a:p>
             <a:pPr marR="117475" rtl="0" fontAlgn="base">
@@ -6513,18 +6175,19 @@
               </a:rPr>
               <a:t>заказчику или руководству может быть недостаточно того уровня детализации, который предлагают чек-листы</a:t>
             </a:r>
-          </a:p>
-        </p:txBody>
-      </p:sp>
-      <p:sp>
-        <p:nvSpPr>
-          <p:cNvPr id="4" name="Дата 3">
-            <a:extLst>
-              <a:ext uri="{FF2B5EF4-FFF2-40B4-BE49-F238E27FC236}">
-                <a16:creationId xmlns:a16="http://schemas.microsoft.com/office/drawing/2014/main" id="{5FD8158A-6EFB-448D-81B6-AF0CBBD62980}"/>
-              </a:ext>
-            </a:extLst>
-          </p:cNvPr>
+            <a:endParaRPr lang="ru-RU" sz="1800" b="0" i="0" u="none" strike="noStrike" dirty="0">
+              <a:solidFill>
+                <a:srgbClr val="000000"/>
+              </a:solidFill>
+              <a:effectLst/>
+              <a:latin typeface="Arial" panose="020B0604020202020204" pitchFamily="34" charset="0"/>
+            </a:endParaRPr>
+          </a:p>
+        </p:txBody>
+      </p:sp>
+      <p:sp>
+        <p:nvSpPr>
+          <p:cNvPr id="4" name="Дата 3"/>
           <p:cNvSpPr>
             <a:spLocks noGrp="1"/>
           </p:cNvSpPr>
@@ -6540,18 +6203,12 @@
             <a:pPr rtl="0"/>
             <a:fld id="{BE289488-0C23-4DC8-A9FA-240659547385}" type="datetime1">
               <a:rPr lang="ru-RU" smtClean="0"/>
-              <a:t>26.04.2022</a:t>
             </a:fld>
             <a:endParaRPr lang="en-US" dirty="0"/>
           </a:p>
         </p:txBody>
       </p:sp>
     </p:spTree>
-    <p:extLst>
-      <p:ext uri="{BB962C8B-B14F-4D97-AF65-F5344CB8AC3E}">
-        <p14:creationId xmlns:p14="http://schemas.microsoft.com/office/powerpoint/2010/main" val="4290751572"/>
-      </p:ext>
-    </p:extLst>
   </p:cSld>
   <p:clrMapOvr>
     <a:masterClrMapping/>
@@ -6578,13 +6235,7 @@
       </p:grpSpPr>
       <p:sp>
         <p:nvSpPr>
-          <p:cNvPr id="2" name="Заголовок 1">
-            <a:extLst>
-              <a:ext uri="{FF2B5EF4-FFF2-40B4-BE49-F238E27FC236}">
-                <a16:creationId xmlns:a16="http://schemas.microsoft.com/office/drawing/2014/main" id="{482BE432-8AB8-432C-9E47-9AF98A6F02C8}"/>
-              </a:ext>
-            </a:extLst>
-          </p:cNvPr>
+          <p:cNvPr id="2" name="Заголовок 1"/>
           <p:cNvSpPr>
             <a:spLocks noGrp="1"/>
           </p:cNvSpPr>
@@ -6601,19 +6252,13 @@
               <a:rPr lang="en-US" dirty="0"/>
               <a:t>Test-cases</a:t>
             </a:r>
-            <a:endParaRPr lang="ru-BY" dirty="0"/>
-          </a:p>
-        </p:txBody>
-      </p:sp>
-      <p:sp>
-        <p:nvSpPr>
-          <p:cNvPr id="3" name="Объект 2">
-            <a:extLst>
-              <a:ext uri="{FF2B5EF4-FFF2-40B4-BE49-F238E27FC236}">
-                <a16:creationId xmlns:a16="http://schemas.microsoft.com/office/drawing/2014/main" id="{A17EB40E-5386-4901-8B0C-0A4C42DE410E}"/>
-              </a:ext>
-            </a:extLst>
-          </p:cNvPr>
+            <a:endParaRPr lang="en-US" dirty="0"/>
+          </a:p>
+        </p:txBody>
+      </p:sp>
+      <p:sp>
+        <p:nvSpPr>
+          <p:cNvPr id="3" name="Объект 2"/>
           <p:cNvSpPr>
             <a:spLocks noGrp="1"/>
           </p:cNvSpPr>
@@ -6835,19 +6480,13 @@
             <a:pPr marL="0" indent="0">
               <a:buNone/>
             </a:pPr>
-            <a:endParaRPr lang="ru-BY" dirty="0"/>
-          </a:p>
-        </p:txBody>
-      </p:sp>
-      <p:sp>
-        <p:nvSpPr>
-          <p:cNvPr id="4" name="Дата 3">
-            <a:extLst>
-              <a:ext uri="{FF2B5EF4-FFF2-40B4-BE49-F238E27FC236}">
-                <a16:creationId xmlns:a16="http://schemas.microsoft.com/office/drawing/2014/main" id="{BC0DC1A7-6E23-40CB-8624-89845E4B31D6}"/>
-              </a:ext>
-            </a:extLst>
-          </p:cNvPr>
+            <a:endParaRPr lang="en-US" dirty="0"/>
+          </a:p>
+        </p:txBody>
+      </p:sp>
+      <p:sp>
+        <p:nvSpPr>
+          <p:cNvPr id="4" name="Дата 3"/>
           <p:cNvSpPr>
             <a:spLocks noGrp="1"/>
           </p:cNvSpPr>
@@ -6863,18 +6502,12 @@
             <a:pPr rtl="0"/>
             <a:fld id="{BE289488-0C23-4DC8-A9FA-240659547385}" type="datetime1">
               <a:rPr lang="ru-RU" smtClean="0"/>
-              <a:t>26.04.2022</a:t>
             </a:fld>
             <a:endParaRPr lang="en-US" dirty="0"/>
           </a:p>
         </p:txBody>
       </p:sp>
     </p:spTree>
-    <p:extLst>
-      <p:ext uri="{BB962C8B-B14F-4D97-AF65-F5344CB8AC3E}">
-        <p14:creationId xmlns:p14="http://schemas.microsoft.com/office/powerpoint/2010/main" val="1448731872"/>
-      </p:ext>
-    </p:extLst>
   </p:cSld>
   <p:clrMapOvr>
     <a:masterClrMapping/>
@@ -6901,13 +6534,7 @@
       </p:grpSpPr>
       <p:sp>
         <p:nvSpPr>
-          <p:cNvPr id="2" name="Заголовок 1">
-            <a:extLst>
-              <a:ext uri="{FF2B5EF4-FFF2-40B4-BE49-F238E27FC236}">
-                <a16:creationId xmlns:a16="http://schemas.microsoft.com/office/drawing/2014/main" id="{C2C7BD39-DF7D-4B97-9D12-0083E1EE84BE}"/>
-              </a:ext>
-            </a:extLst>
-          </p:cNvPr>
+          <p:cNvPr id="2" name="Заголовок 1"/>
           <p:cNvSpPr>
             <a:spLocks noGrp="1"/>
           </p:cNvSpPr>
@@ -6924,19 +6551,13 @@
               <a:rPr lang="ru-RU" dirty="0"/>
               <a:t>Тестовый набор</a:t>
             </a:r>
-            <a:endParaRPr lang="ru-BY" dirty="0"/>
-          </a:p>
-        </p:txBody>
-      </p:sp>
-      <p:sp>
-        <p:nvSpPr>
-          <p:cNvPr id="3" name="Объект 2">
-            <a:extLst>
-              <a:ext uri="{FF2B5EF4-FFF2-40B4-BE49-F238E27FC236}">
-                <a16:creationId xmlns:a16="http://schemas.microsoft.com/office/drawing/2014/main" id="{5FDF9199-6FF8-49A8-90C7-57B09F367392}"/>
-              </a:ext>
-            </a:extLst>
-          </p:cNvPr>
+            <a:endParaRPr lang="en-US" dirty="0"/>
+          </a:p>
+        </p:txBody>
+      </p:sp>
+      <p:sp>
+        <p:nvSpPr>
+          <p:cNvPr id="3" name="Объект 2"/>
           <p:cNvSpPr>
             <a:spLocks noGrp="1"/>
           </p:cNvSpPr>
@@ -7017,13 +6638,7 @@
       </p:sp>
       <p:sp>
         <p:nvSpPr>
-          <p:cNvPr id="4" name="Дата 3">
-            <a:extLst>
-              <a:ext uri="{FF2B5EF4-FFF2-40B4-BE49-F238E27FC236}">
-                <a16:creationId xmlns:a16="http://schemas.microsoft.com/office/drawing/2014/main" id="{1FD9820D-B99A-40E2-8C49-DFD64E23EA6B}"/>
-              </a:ext>
-            </a:extLst>
-          </p:cNvPr>
+          <p:cNvPr id="4" name="Дата 3"/>
           <p:cNvSpPr>
             <a:spLocks noGrp="1"/>
           </p:cNvSpPr>
@@ -7039,18 +6654,12 @@
             <a:pPr rtl="0"/>
             <a:fld id="{BE289488-0C23-4DC8-A9FA-240659547385}" type="datetime1">
               <a:rPr lang="ru-RU" smtClean="0"/>
-              <a:t>26.04.2022</a:t>
             </a:fld>
             <a:endParaRPr lang="en-US" dirty="0"/>
           </a:p>
         </p:txBody>
       </p:sp>
     </p:spTree>
-    <p:extLst>
-      <p:ext uri="{BB962C8B-B14F-4D97-AF65-F5344CB8AC3E}">
-        <p14:creationId xmlns:p14="http://schemas.microsoft.com/office/powerpoint/2010/main" val="3706452674"/>
-      </p:ext>
-    </p:extLst>
   </p:cSld>
   <p:clrMapOvr>
     <a:masterClrMapping/>
@@ -7077,13 +6686,7 @@
       </p:grpSpPr>
       <p:sp>
         <p:nvSpPr>
-          <p:cNvPr id="2" name="Заголовок 1">
-            <a:extLst>
-              <a:ext uri="{FF2B5EF4-FFF2-40B4-BE49-F238E27FC236}">
-                <a16:creationId xmlns:a16="http://schemas.microsoft.com/office/drawing/2014/main" id="{385AA5ED-E4E0-478F-A9CE-7E0D08781DFD}"/>
-              </a:ext>
-            </a:extLst>
-          </p:cNvPr>
+          <p:cNvPr id="2" name="Заголовок 1"/>
           <p:cNvSpPr>
             <a:spLocks noGrp="1"/>
           </p:cNvSpPr>
@@ -7100,19 +6703,13 @@
               <a:rPr lang="en-US" dirty="0"/>
               <a:t>Test Result Report</a:t>
             </a:r>
-            <a:endParaRPr lang="ru-BY" dirty="0"/>
-          </a:p>
-        </p:txBody>
-      </p:sp>
-      <p:sp>
-        <p:nvSpPr>
-          <p:cNvPr id="3" name="Объект 2">
-            <a:extLst>
-              <a:ext uri="{FF2B5EF4-FFF2-40B4-BE49-F238E27FC236}">
-                <a16:creationId xmlns:a16="http://schemas.microsoft.com/office/drawing/2014/main" id="{12B4CDE8-C97D-45CC-AEAB-040E743BE934}"/>
-              </a:ext>
-            </a:extLst>
-          </p:cNvPr>
+            <a:endParaRPr lang="en-US" dirty="0"/>
+          </a:p>
+        </p:txBody>
+      </p:sp>
+      <p:sp>
+        <p:nvSpPr>
+          <p:cNvPr id="3" name="Объект 2"/>
           <p:cNvSpPr>
             <a:spLocks noGrp="1"/>
           </p:cNvSpPr>
@@ -7137,19 +6734,13 @@
               <a:rPr lang="ru-RU" dirty="0"/>
               <a:t>представляет собой суммарную информацию о прохождении тестов, на основе анализа которых и сравнения с ожидаемыми результатами выполняется детальная оценка качества тестируемого продукта и текущего статуса процесса тестирования. Рекомендуется записывать и сохранять результаты тестирования для каждого этапа как один из важнейших артефактов тестирования. </a:t>
             </a:r>
-            <a:endParaRPr lang="ru-BY" dirty="0"/>
-          </a:p>
-        </p:txBody>
-      </p:sp>
-      <p:sp>
-        <p:nvSpPr>
-          <p:cNvPr id="4" name="Дата 3">
-            <a:extLst>
-              <a:ext uri="{FF2B5EF4-FFF2-40B4-BE49-F238E27FC236}">
-                <a16:creationId xmlns:a16="http://schemas.microsoft.com/office/drawing/2014/main" id="{5DE7DC05-FF0F-4A12-A1F5-3C133C1581A0}"/>
-              </a:ext>
-            </a:extLst>
-          </p:cNvPr>
+            <a:endParaRPr lang="en-US" dirty="0"/>
+          </a:p>
+        </p:txBody>
+      </p:sp>
+      <p:sp>
+        <p:nvSpPr>
+          <p:cNvPr id="4" name="Дата 3"/>
           <p:cNvSpPr>
             <a:spLocks noGrp="1"/>
           </p:cNvSpPr>
@@ -7165,18 +6756,12 @@
             <a:pPr rtl="0"/>
             <a:fld id="{BE289488-0C23-4DC8-A9FA-240659547385}" type="datetime1">
               <a:rPr lang="ru-RU" smtClean="0"/>
-              <a:t>26.04.2022</a:t>
             </a:fld>
             <a:endParaRPr lang="en-US" dirty="0"/>
           </a:p>
         </p:txBody>
       </p:sp>
     </p:spTree>
-    <p:extLst>
-      <p:ext uri="{BB962C8B-B14F-4D97-AF65-F5344CB8AC3E}">
-        <p14:creationId xmlns:p14="http://schemas.microsoft.com/office/powerpoint/2010/main" val="3338907840"/>
-      </p:ext>
-    </p:extLst>
   </p:cSld>
   <p:clrMapOvr>
     <a:masterClrMapping/>
@@ -7227,7 +6812,7 @@
     </a:clrScheme>
     <a:fontScheme name="Retrospect">
       <a:majorFont>
-        <a:latin typeface="Bookman Old Style" panose="020F0302020204030204"/>
+        <a:latin typeface="Bookman Old Style"/>
         <a:ea typeface=""/>
         <a:cs typeface=""/>
         <a:font script="Jpan" typeface="ＭＳ Ｐゴシック"/>
@@ -7262,7 +6847,7 @@
         <a:font script="Geor" typeface="Sylfaen"/>
       </a:majorFont>
       <a:minorFont>
-        <a:latin typeface="Franklin Gothic Book" panose="020F0502020204030204"/>
+        <a:latin typeface="Franklin Gothic Book"/>
         <a:ea typeface=""/>
         <a:cs typeface=""/>
         <a:font script="Jpan" typeface="ＭＳ Ｐゴシック"/>
@@ -7457,11 +7042,9 @@
       </a:bgFillStyleLst>
     </a:fmtScheme>
   </a:themeElements>
-  <a:objectDefaults/>
-  <a:extraClrSchemeLst/>
   <a:extLst>
     <a:ext uri="{05A4C25C-085E-4340-85A3-A5531E510DB2}">
-      <thm15:themeFamily xmlns:thm15="http://schemas.microsoft.com/office/thememl/2012/main" name="Office_41798995_TF56160789" id="{E9416FAF-F856-40AC-9675-C9B0760B1290}" vid="{1EEFFE07-2D5A-4CA5-A479-4D088CDD8AD4}"/>
+      <thm15:themeFamily xmlns:thm15="http://schemas.microsoft.com/office/thememl/2012/main" name="Office Theme" id="{62F939B6-93AF-4DB8-9C6B-D6C7DFDC589F}" vid="{4A3C46E8-61CC-4603-A589-7422A47A8E4A}"/>
     </a:ext>
   </a:extLst>
 </a:theme>
@@ -7510,7 +7093,7 @@
     </a:clrScheme>
     <a:fontScheme name="Office">
       <a:majorFont>
-        <a:latin typeface="Calibri Light" panose="020F0302020204030204"/>
+        <a:latin typeface="Calibri Light"/>
         <a:ea typeface=""/>
         <a:cs typeface=""/>
         <a:font script="Jpan" typeface="游ゴシック Light"/>
@@ -7545,7 +7128,7 @@
         <a:font script="Geor" typeface="Sylfaen"/>
       </a:majorFont>
       <a:minorFont>
-        <a:latin typeface="Calibri" panose="020F0502020204030204"/>
+        <a:latin typeface="Calibri"/>
         <a:ea typeface=""/>
         <a:cs typeface=""/>
         <a:font script="Jpan" typeface="游ゴシック"/>
@@ -7718,8 +7301,6 @@
       </a:bgFillStyleLst>
     </a:fmtScheme>
   </a:themeElements>
-  <a:objectDefaults/>
-  <a:extraClrSchemeLst/>
   <a:extLst>
     <a:ext uri="{05A4C25C-085E-4340-85A3-A5531E510DB2}">
       <thm15:themeFamily xmlns:thm15="http://schemas.microsoft.com/office/thememl/2012/main" name="Office Theme" id="{62F939B6-93AF-4DB8-9C6B-D6C7DFDC589F}" vid="{4A3C46E8-61CC-4603-A589-7422A47A8E4A}"/>
@@ -7771,7 +7352,7 @@
     </a:clrScheme>
     <a:fontScheme name="Office">
       <a:majorFont>
-        <a:latin typeface="Calibri Light" panose="020F0302020204030204"/>
+        <a:latin typeface="Calibri Light"/>
         <a:ea typeface=""/>
         <a:cs typeface=""/>
         <a:font script="Jpan" typeface="游ゴシック Light"/>
@@ -7806,7 +7387,7 @@
         <a:font script="Geor" typeface="Sylfaen"/>
       </a:majorFont>
       <a:minorFont>
-        <a:latin typeface="Calibri" panose="020F0502020204030204"/>
+        <a:latin typeface="Calibri"/>
         <a:ea typeface=""/>
         <a:cs typeface=""/>
         <a:font script="Jpan" typeface="游ゴシック"/>
@@ -7979,8 +7560,6 @@
       </a:bgFillStyleLst>
     </a:fmtScheme>
   </a:themeElements>
-  <a:objectDefaults/>
-  <a:extraClrSchemeLst/>
   <a:extLst>
     <a:ext uri="{05A4C25C-085E-4340-85A3-A5531E510DB2}">
       <thm15:themeFamily xmlns:thm15="http://schemas.microsoft.com/office/thememl/2012/main" name="Office Theme" id="{62F939B6-93AF-4DB8-9C6B-D6C7DFDC589F}" vid="{4A3C46E8-61CC-4603-A589-7422A47A8E4A}"/>
